--- a/Docs/Presentation Files/Transientfinal.pptx
+++ b/Docs/Presentation Files/Transientfinal.pptx
@@ -5,7 +5,7 @@
     <p:sldMasterId id="2147483648" r:id="rId1"/>
   </p:sldMasterIdLst>
   <p:notesMasterIdLst>
-    <p:notesMasterId r:id="rId16"/>
+    <p:notesMasterId r:id="rId17"/>
   </p:notesMasterIdLst>
   <p:sldIdLst>
     <p:sldId id="256" r:id="rId2"/>
@@ -20,8 +20,9 @@
     <p:sldId id="265" r:id="rId11"/>
     <p:sldId id="266" r:id="rId12"/>
     <p:sldId id="267" r:id="rId13"/>
-    <p:sldId id="268" r:id="rId14"/>
-    <p:sldId id="275" r:id="rId15"/>
+    <p:sldId id="276" r:id="rId14"/>
+    <p:sldId id="268" r:id="rId15"/>
+    <p:sldId id="275" r:id="rId16"/>
   </p:sldIdLst>
   <p:sldSz cx="12192000" cy="6858000"/>
   <p:notesSz cx="6858000" cy="9144000"/>
@@ -323,6 +324,11 @@
       </a:defRPr>
     </a:lvl9pPr>
   </p:defaultTextStyle>
+  <p:extLst>
+    <p:ext uri="{EFAFB233-063F-42B5-8137-9DF3F51BA10A}">
+      <p15:sldGuideLst xmlns:p15="http://schemas.microsoft.com/office/powerpoint/2012/main"/>
+    </p:ext>
+  </p:extLst>
 </p:presentation>
 </file>
 
@@ -1718,7 +1724,7 @@
           </a:ln>
           <a:extLst>
             <a:ext uri="{C572A759-6A51-4108-AA02-DFA0A04FC94B}">
-              <ma14:wrappingTextBoxFlag xmlns:ma14="http://schemas.microsoft.com/office/mac/drawingml/2011/main" xmlns:a14="http://schemas.microsoft.com/office/drawing/2010/main" xmlns:m="http://schemas.openxmlformats.org/officeDocument/2006/math" xmlns="" val="1"/>
+              <ma14:wrappingTextBoxFlag xmlns="" xmlns:m="http://schemas.openxmlformats.org/officeDocument/2006/math" xmlns:a14="http://schemas.microsoft.com/office/drawing/2010/main" xmlns:ma14="http://schemas.microsoft.com/office/mac/drawingml/2011/main" val="1"/>
             </a:ext>
           </a:extLst>
         </p:spPr>
@@ -1757,7 +1763,7 @@
           </a:ln>
           <a:extLst>
             <a:ext uri="{C572A759-6A51-4108-AA02-DFA0A04FC94B}">
-              <ma14:wrappingTextBoxFlag xmlns:ma14="http://schemas.microsoft.com/office/mac/drawingml/2011/main" xmlns:a14="http://schemas.microsoft.com/office/drawing/2010/main" xmlns:m="http://schemas.openxmlformats.org/officeDocument/2006/math" xmlns="" val="1"/>
+              <ma14:wrappingTextBoxFlag xmlns="" xmlns:m="http://schemas.openxmlformats.org/officeDocument/2006/math" xmlns:a14="http://schemas.microsoft.com/office/drawing/2010/main" xmlns:ma14="http://schemas.microsoft.com/office/mac/drawingml/2011/main" val="1"/>
             </a:ext>
           </a:extLst>
         </p:spPr>
@@ -2779,7 +2785,7 @@
           </a:ln>
           <a:extLst>
             <a:ext uri="{C572A759-6A51-4108-AA02-DFA0A04FC94B}">
-              <ma14:wrappingTextBoxFlag xmlns:ma14="http://schemas.microsoft.com/office/mac/drawingml/2011/main" xmlns:a14="http://schemas.microsoft.com/office/drawing/2010/main" xmlns:m="http://schemas.openxmlformats.org/officeDocument/2006/math" xmlns="" val="1"/>
+              <ma14:wrappingTextBoxFlag xmlns="" xmlns:m="http://schemas.openxmlformats.org/officeDocument/2006/math" xmlns:a14="http://schemas.microsoft.com/office/drawing/2010/main" xmlns:ma14="http://schemas.microsoft.com/office/mac/drawingml/2011/main" val="1"/>
             </a:ext>
           </a:extLst>
         </p:spPr>
@@ -2864,8 +2870,8 @@
           </a:p>
         </p:txBody>
       </p:sp>
-      <mc:AlternateContent xmlns:mc="http://schemas.openxmlformats.org/markup-compatibility/2006">
-        <mc:Choice xmlns:a14="http://schemas.microsoft.com/office/drawing/2010/main" Requires="a14">
+      <mc:AlternateContent xmlns:mc="http://schemas.openxmlformats.org/markup-compatibility/2006" xmlns:a14="http://schemas.microsoft.com/office/drawing/2010/main">
+        <mc:Choice Requires="a14">
           <p:sp>
             <p:nvSpPr>
               <p:cNvPr id="146" name="Equation"/>
@@ -2900,7 +2906,7 @@
                       <m:sSub>
                         <m:sSubPr>
                           <m:ctrlPr>
-                            <a:rPr sz="2100">
+                            <a:rPr sz="2100" i="1">
                               <a:solidFill>
                                 <a:srgbClr val="000000"/>
                               </a:solidFill>
@@ -2939,7 +2945,7 @@
             </p:txBody>
           </p:sp>
         </mc:Choice>
-        <mc:Fallback>
+        <mc:Fallback xmlns="">
           <p:sp>
             <p:nvSpPr>
               <p:cNvPr id="146" name="Equation"/>
@@ -2981,8 +2987,8 @@
           </p:sp>
         </mc:Fallback>
       </mc:AlternateContent>
-      <mc:AlternateContent xmlns:mc="http://schemas.openxmlformats.org/markup-compatibility/2006">
-        <mc:Choice xmlns:a14="http://schemas.microsoft.com/office/drawing/2010/main" Requires="a14">
+      <mc:AlternateContent xmlns:mc="http://schemas.openxmlformats.org/markup-compatibility/2006" xmlns:a14="http://schemas.microsoft.com/office/drawing/2010/main">
+        <mc:Choice Requires="a14">
           <p:sp>
             <p:nvSpPr>
               <p:cNvPr id="147" name="Equation"/>
@@ -3017,7 +3023,7 @@
                       <m:sSub>
                         <m:sSubPr>
                           <m:ctrlPr>
-                            <a:rPr sz="2100" b="1">
+                            <a:rPr sz="2100" b="1" i="1">
                               <a:solidFill>
                                 <a:srgbClr val="000000"/>
                               </a:solidFill>
@@ -3074,7 +3080,7 @@
             </p:txBody>
           </p:sp>
         </mc:Choice>
-        <mc:Fallback>
+        <mc:Fallback xmlns="">
           <p:sp>
             <p:nvSpPr>
               <p:cNvPr id="147" name="Equation"/>
@@ -3116,8 +3122,8 @@
           </p:sp>
         </mc:Fallback>
       </mc:AlternateContent>
-      <mc:AlternateContent xmlns:mc="http://schemas.openxmlformats.org/markup-compatibility/2006">
-        <mc:Choice xmlns:a14="http://schemas.microsoft.com/office/drawing/2010/main" Requires="a14">
+      <mc:AlternateContent xmlns:mc="http://schemas.openxmlformats.org/markup-compatibility/2006" xmlns:a14="http://schemas.microsoft.com/office/drawing/2010/main">
+        <mc:Choice Requires="a14">
           <p:sp>
             <p:nvSpPr>
               <p:cNvPr id="148" name="Equation"/>
@@ -3152,7 +3158,7 @@
                       <m:sSub>
                         <m:sSubPr>
                           <m:ctrlPr>
-                            <a:rPr sz="2100" b="1">
+                            <a:rPr sz="2100" b="1" i="1">
                               <a:solidFill>
                                 <a:srgbClr val="000000"/>
                               </a:solidFill>
@@ -3191,7 +3197,7 @@
             </p:txBody>
           </p:sp>
         </mc:Choice>
-        <mc:Fallback>
+        <mc:Fallback xmlns="">
           <p:sp>
             <p:nvSpPr>
               <p:cNvPr id="148" name="Equation"/>
@@ -3278,7 +3284,7 @@
           </a:ln>
           <a:extLst>
             <a:ext uri="{C572A759-6A51-4108-AA02-DFA0A04FC94B}">
-              <ma14:wrappingTextBoxFlag xmlns:ma14="http://schemas.microsoft.com/office/mac/drawingml/2011/main" xmlns:a14="http://schemas.microsoft.com/office/drawing/2010/main" xmlns:m="http://schemas.openxmlformats.org/officeDocument/2006/math" xmlns="" val="1"/>
+              <ma14:wrappingTextBoxFlag xmlns="" xmlns:m="http://schemas.openxmlformats.org/officeDocument/2006/math" xmlns:a14="http://schemas.microsoft.com/office/drawing/2010/main" xmlns:ma14="http://schemas.microsoft.com/office/mac/drawingml/2011/main" val="1"/>
             </a:ext>
           </a:extLst>
         </p:spPr>
@@ -3327,7 +3333,7 @@
           </a:ln>
           <a:extLst>
             <a:ext uri="{C572A759-6A51-4108-AA02-DFA0A04FC94B}">
-              <ma14:wrappingTextBoxFlag xmlns:ma14="http://schemas.microsoft.com/office/mac/drawingml/2011/main" xmlns:a14="http://schemas.microsoft.com/office/drawing/2010/main" xmlns:m="http://schemas.openxmlformats.org/officeDocument/2006/math" xmlns="" val="1"/>
+              <ma14:wrappingTextBoxFlag xmlns="" xmlns:m="http://schemas.openxmlformats.org/officeDocument/2006/math" xmlns:a14="http://schemas.microsoft.com/office/drawing/2010/main" xmlns:ma14="http://schemas.microsoft.com/office/mac/drawingml/2011/main" val="1"/>
             </a:ext>
           </a:extLst>
         </p:spPr>
@@ -3391,7 +3397,7 @@
           </a:ln>
           <a:extLst>
             <a:ext uri="{C572A759-6A51-4108-AA02-DFA0A04FC94B}">
-              <ma14:wrappingTextBoxFlag xmlns:ma14="http://schemas.microsoft.com/office/mac/drawingml/2011/main" xmlns:a14="http://schemas.microsoft.com/office/drawing/2010/main" xmlns:m="http://schemas.openxmlformats.org/officeDocument/2006/math" xmlns="" val="1"/>
+              <ma14:wrappingTextBoxFlag xmlns="" xmlns:m="http://schemas.openxmlformats.org/officeDocument/2006/math" xmlns:a14="http://schemas.microsoft.com/office/drawing/2010/main" xmlns:ma14="http://schemas.microsoft.com/office/mac/drawingml/2011/main" val="1"/>
             </a:ext>
           </a:extLst>
         </p:spPr>
@@ -3428,8 +3434,8 @@
           </a:p>
         </p:txBody>
       </p:sp>
-      <mc:AlternateContent xmlns:mc="http://schemas.openxmlformats.org/markup-compatibility/2006">
-        <mc:Choice xmlns:a14="http://schemas.microsoft.com/office/drawing/2010/main" Requires="a14">
+      <mc:AlternateContent xmlns:mc="http://schemas.openxmlformats.org/markup-compatibility/2006" xmlns:a14="http://schemas.microsoft.com/office/drawing/2010/main">
+        <mc:Choice Requires="a14">
           <p:sp>
             <p:nvSpPr>
               <p:cNvPr id="153" name="Equation"/>
@@ -3571,7 +3577,7 @@
             </p:txBody>
           </p:sp>
         </mc:Choice>
-        <mc:Fallback>
+        <mc:Fallback xmlns="">
           <p:sp>
             <p:nvSpPr>
               <p:cNvPr id="153" name="Equation"/>
@@ -3611,8 +3617,8 @@
           </p:sp>
         </mc:Fallback>
       </mc:AlternateContent>
-      <mc:AlternateContent xmlns:mc="http://schemas.openxmlformats.org/markup-compatibility/2006">
-        <mc:Choice xmlns:a14="http://schemas.microsoft.com/office/drawing/2010/main" Requires="a14">
+      <mc:AlternateContent xmlns:mc="http://schemas.openxmlformats.org/markup-compatibility/2006" xmlns:a14="http://schemas.microsoft.com/office/drawing/2010/main">
+        <mc:Choice Requires="a14">
           <p:sp>
             <p:nvSpPr>
               <p:cNvPr id="154" name="Equation"/>
@@ -3659,7 +3665,7 @@
                       <m:sSubSup>
                         <m:sSubSupPr>
                           <m:ctrlPr>
-                            <a:rPr sz="2800">
+                            <a:rPr sz="2800" i="1">
                               <a:solidFill>
                                 <a:srgbClr val="000000"/>
                               </a:solidFill>
@@ -4021,7 +4027,7 @@
             </p:txBody>
           </p:sp>
         </mc:Choice>
-        <mc:Fallback>
+        <mc:Fallback xmlns="">
           <p:sp>
             <p:nvSpPr>
               <p:cNvPr id="154" name="Equation"/>
@@ -4061,8 +4067,8 @@
           </p:sp>
         </mc:Fallback>
       </mc:AlternateContent>
-      <mc:AlternateContent xmlns:mc="http://schemas.openxmlformats.org/markup-compatibility/2006">
-        <mc:Choice xmlns:a14="http://schemas.microsoft.com/office/drawing/2010/main" Requires="a14">
+      <mc:AlternateContent xmlns:mc="http://schemas.openxmlformats.org/markup-compatibility/2006" xmlns:a14="http://schemas.microsoft.com/office/drawing/2010/main">
+        <mc:Choice Requires="a14">
           <p:sp>
             <p:nvSpPr>
               <p:cNvPr id="155" name="Equation"/>
@@ -4361,7 +4367,7 @@
             </p:txBody>
           </p:sp>
         </mc:Choice>
-        <mc:Fallback>
+        <mc:Fallback xmlns="">
           <p:sp>
             <p:nvSpPr>
               <p:cNvPr id="155" name="Equation"/>
@@ -4401,8 +4407,8 @@
           </p:sp>
         </mc:Fallback>
       </mc:AlternateContent>
-      <mc:AlternateContent xmlns:mc="http://schemas.openxmlformats.org/markup-compatibility/2006">
-        <mc:Choice xmlns:a14="http://schemas.microsoft.com/office/drawing/2010/main" Requires="a14">
+      <mc:AlternateContent xmlns:mc="http://schemas.openxmlformats.org/markup-compatibility/2006" xmlns:a14="http://schemas.microsoft.com/office/drawing/2010/main">
+        <mc:Choice Requires="a14">
           <p:sp>
             <p:nvSpPr>
               <p:cNvPr id="156" name="Equation"/>
@@ -4449,7 +4455,7 @@
                       <m:sSubSup>
                         <m:sSubSupPr>
                           <m:ctrlPr>
-                            <a:rPr sz="2800">
+                            <a:rPr sz="2800" i="1">
                               <a:solidFill>
                                 <a:srgbClr val="000000"/>
                               </a:solidFill>
@@ -4951,7 +4957,7 @@
             </p:txBody>
           </p:sp>
         </mc:Choice>
-        <mc:Fallback>
+        <mc:Fallback xmlns="">
           <p:sp>
             <p:nvSpPr>
               <p:cNvPr id="156" name="Equation"/>
@@ -4991,8 +4997,8 @@
           </p:sp>
         </mc:Fallback>
       </mc:AlternateContent>
-      <mc:AlternateContent xmlns:mc="http://schemas.openxmlformats.org/markup-compatibility/2006">
-        <mc:Choice xmlns:a14="http://schemas.microsoft.com/office/drawing/2010/main" Requires="a14">
+      <mc:AlternateContent xmlns:mc="http://schemas.openxmlformats.org/markup-compatibility/2006" xmlns:a14="http://schemas.microsoft.com/office/drawing/2010/main">
+        <mc:Choice Requires="a14">
           <p:sp>
             <p:nvSpPr>
               <p:cNvPr id="157" name="Equation"/>
@@ -5412,7 +5418,7 @@
             </p:txBody>
           </p:sp>
         </mc:Choice>
-        <mc:Fallback>
+        <mc:Fallback xmlns="">
           <p:sp>
             <p:nvSpPr>
               <p:cNvPr id="157" name="Equation"/>
@@ -5476,7 +5482,7 @@
           </a:ln>
           <a:extLst>
             <a:ext uri="{C572A759-6A51-4108-AA02-DFA0A04FC94B}">
-              <ma14:wrappingTextBoxFlag xmlns:ma14="http://schemas.microsoft.com/office/mac/drawingml/2011/main" xmlns:a14="http://schemas.microsoft.com/office/drawing/2010/main" xmlns:m="http://schemas.openxmlformats.org/officeDocument/2006/math" xmlns="" val="1"/>
+              <ma14:wrappingTextBoxFlag xmlns="" xmlns:m="http://schemas.openxmlformats.org/officeDocument/2006/math" xmlns:a14="http://schemas.microsoft.com/office/drawing/2010/main" xmlns:ma14="http://schemas.microsoft.com/office/mac/drawingml/2011/main" val="1"/>
             </a:ext>
           </a:extLst>
         </p:spPr>
@@ -5521,7 +5527,7 @@
           </a:ln>
           <a:extLst>
             <a:ext uri="{C572A759-6A51-4108-AA02-DFA0A04FC94B}">
-              <ma14:wrappingTextBoxFlag xmlns:ma14="http://schemas.microsoft.com/office/mac/drawingml/2011/main" xmlns:a14="http://schemas.microsoft.com/office/drawing/2010/main" xmlns:m="http://schemas.openxmlformats.org/officeDocument/2006/math" xmlns="" val="1"/>
+              <ma14:wrappingTextBoxFlag xmlns="" xmlns:m="http://schemas.openxmlformats.org/officeDocument/2006/math" xmlns:a14="http://schemas.microsoft.com/office/drawing/2010/main" xmlns:ma14="http://schemas.microsoft.com/office/mac/drawingml/2011/main" val="1"/>
             </a:ext>
           </a:extLst>
         </p:spPr>
@@ -5595,7 +5601,7 @@
           </a:ln>
           <a:extLst>
             <a:ext uri="{C572A759-6A51-4108-AA02-DFA0A04FC94B}">
-              <ma14:wrappingTextBoxFlag xmlns:ma14="http://schemas.microsoft.com/office/mac/drawingml/2011/main" xmlns:a14="http://schemas.microsoft.com/office/drawing/2010/main" xmlns:m="http://schemas.openxmlformats.org/officeDocument/2006/math" xmlns="" val="1"/>
+              <ma14:wrappingTextBoxFlag xmlns="" xmlns:m="http://schemas.openxmlformats.org/officeDocument/2006/math" xmlns:a14="http://schemas.microsoft.com/office/drawing/2010/main" xmlns:ma14="http://schemas.microsoft.com/office/mac/drawingml/2011/main" val="1"/>
             </a:ext>
           </a:extLst>
         </p:spPr>
@@ -5651,7 +5657,7 @@
           </a:ln>
           <a:extLst>
             <a:ext uri="{C572A759-6A51-4108-AA02-DFA0A04FC94B}">
-              <ma14:wrappingTextBoxFlag xmlns:ma14="http://schemas.microsoft.com/office/mac/drawingml/2011/main" xmlns:a14="http://schemas.microsoft.com/office/drawing/2010/main" xmlns:m="http://schemas.openxmlformats.org/officeDocument/2006/math" xmlns="" val="1"/>
+              <ma14:wrappingTextBoxFlag xmlns="" xmlns:m="http://schemas.openxmlformats.org/officeDocument/2006/math" xmlns:a14="http://schemas.microsoft.com/office/drawing/2010/main" xmlns:ma14="http://schemas.microsoft.com/office/mac/drawingml/2011/main" val="1"/>
             </a:ext>
           </a:extLst>
         </p:spPr>
@@ -5688,8 +5694,8 @@
           </a:p>
         </p:txBody>
       </p:sp>
-      <mc:AlternateContent xmlns:mc="http://schemas.openxmlformats.org/markup-compatibility/2006">
-        <mc:Choice xmlns:a14="http://schemas.microsoft.com/office/drawing/2010/main" Requires="a14">
+      <mc:AlternateContent xmlns:mc="http://schemas.openxmlformats.org/markup-compatibility/2006" xmlns:a14="http://schemas.microsoft.com/office/drawing/2010/main">
+        <mc:Choice Requires="a14">
           <p:sp>
             <p:nvSpPr>
               <p:cNvPr id="163" name="Equation"/>
@@ -6042,7 +6048,7 @@
             </p:txBody>
           </p:sp>
         </mc:Choice>
-        <mc:Fallback>
+        <mc:Fallback xmlns="">
           <p:sp>
             <p:nvSpPr>
               <p:cNvPr id="163" name="Equation"/>
@@ -6082,8 +6088,8 @@
           </p:sp>
         </mc:Fallback>
       </mc:AlternateContent>
-      <mc:AlternateContent xmlns:mc="http://schemas.openxmlformats.org/markup-compatibility/2006">
-        <mc:Choice xmlns:a14="http://schemas.microsoft.com/office/drawing/2010/main" Requires="a14">
+      <mc:AlternateContent xmlns:mc="http://schemas.openxmlformats.org/markup-compatibility/2006" xmlns:a14="http://schemas.microsoft.com/office/drawing/2010/main">
+        <mc:Choice Requires="a14">
           <p:sp>
             <p:nvSpPr>
               <p:cNvPr id="164" name="Equation"/>
@@ -6593,7 +6599,7 @@
             </p:txBody>
           </p:sp>
         </mc:Choice>
-        <mc:Fallback>
+        <mc:Fallback xmlns="">
           <p:sp>
             <p:nvSpPr>
               <p:cNvPr id="164" name="Equation"/>
@@ -6633,8 +6639,8 @@
           </p:sp>
         </mc:Fallback>
       </mc:AlternateContent>
-      <mc:AlternateContent xmlns:mc="http://schemas.openxmlformats.org/markup-compatibility/2006">
-        <mc:Choice xmlns:a14="http://schemas.microsoft.com/office/drawing/2010/main" Requires="a14">
+      <mc:AlternateContent xmlns:mc="http://schemas.openxmlformats.org/markup-compatibility/2006" xmlns:a14="http://schemas.microsoft.com/office/drawing/2010/main">
+        <mc:Choice Requires="a14">
           <p:sp>
             <p:nvSpPr>
               <p:cNvPr id="165" name="Equation"/>
@@ -6681,7 +6687,7 @@
                       <m:sSubSup>
                         <m:sSubSupPr>
                           <m:ctrlPr>
-                            <a:rPr sz="2800">
+                            <a:rPr sz="2800" i="1">
                               <a:solidFill>
                                 <a:srgbClr val="000000"/>
                               </a:solidFill>
@@ -7273,7 +7279,7 @@
             </p:txBody>
           </p:sp>
         </mc:Choice>
-        <mc:Fallback>
+        <mc:Fallback xmlns="">
           <p:sp>
             <p:nvSpPr>
               <p:cNvPr id="165" name="Equation"/>
@@ -7313,8 +7319,8 @@
           </p:sp>
         </mc:Fallback>
       </mc:AlternateContent>
-      <mc:AlternateContent xmlns:mc="http://schemas.openxmlformats.org/markup-compatibility/2006">
-        <mc:Choice xmlns:a14="http://schemas.microsoft.com/office/drawing/2010/main" Requires="a14">
+      <mc:AlternateContent xmlns:mc="http://schemas.openxmlformats.org/markup-compatibility/2006" xmlns:a14="http://schemas.microsoft.com/office/drawing/2010/main">
+        <mc:Choice Requires="a14">
           <p:sp>
             <p:nvSpPr>
               <p:cNvPr id="166" name="Equation"/>
@@ -7474,7 +7480,7 @@
             </p:txBody>
           </p:sp>
         </mc:Choice>
-        <mc:Fallback>
+        <mc:Fallback xmlns="">
           <p:sp>
             <p:nvSpPr>
               <p:cNvPr id="166" name="Equation"/>
@@ -7514,8 +7520,8 @@
           </p:sp>
         </mc:Fallback>
       </mc:AlternateContent>
-      <mc:AlternateContent xmlns:mc="http://schemas.openxmlformats.org/markup-compatibility/2006">
-        <mc:Choice xmlns:a14="http://schemas.microsoft.com/office/drawing/2010/main" Requires="a14">
+      <mc:AlternateContent xmlns:mc="http://schemas.openxmlformats.org/markup-compatibility/2006" xmlns:a14="http://schemas.microsoft.com/office/drawing/2010/main">
+        <mc:Choice Requires="a14">
           <p:sp>
             <p:nvSpPr>
               <p:cNvPr id="167" name="Equation"/>
@@ -8007,7 +8013,7 @@
             </p:txBody>
           </p:sp>
         </mc:Choice>
-        <mc:Fallback>
+        <mc:Fallback xmlns="">
           <p:sp>
             <p:nvSpPr>
               <p:cNvPr id="167" name="Equation"/>
@@ -8047,8 +8053,8 @@
           </p:sp>
         </mc:Fallback>
       </mc:AlternateContent>
-      <mc:AlternateContent xmlns:mc="http://schemas.openxmlformats.org/markup-compatibility/2006">
-        <mc:Choice xmlns:a14="http://schemas.microsoft.com/office/drawing/2010/main" Requires="a14">
+      <mc:AlternateContent xmlns:mc="http://schemas.openxmlformats.org/markup-compatibility/2006" xmlns:a14="http://schemas.microsoft.com/office/drawing/2010/main">
+        <mc:Choice Requires="a14">
           <p:sp>
             <p:nvSpPr>
               <p:cNvPr id="168" name="Equation"/>
@@ -8095,7 +8101,7 @@
                       <m:sSubSup>
                         <m:sSubSupPr>
                           <m:ctrlPr>
-                            <a:rPr sz="2800">
+                            <a:rPr sz="2800" i="1">
                               <a:solidFill>
                                 <a:srgbClr val="000000"/>
                               </a:solidFill>
@@ -8565,7 +8571,7 @@
             </p:txBody>
           </p:sp>
         </mc:Choice>
-        <mc:Fallback>
+        <mc:Fallback xmlns="">
           <p:sp>
             <p:nvSpPr>
               <p:cNvPr id="168" name="Equation"/>
@@ -8629,7 +8635,7 @@
           </a:ln>
           <a:extLst>
             <a:ext uri="{C572A759-6A51-4108-AA02-DFA0A04FC94B}">
-              <ma14:wrappingTextBoxFlag xmlns:ma14="http://schemas.microsoft.com/office/mac/drawingml/2011/main" xmlns:a14="http://schemas.microsoft.com/office/drawing/2010/main" xmlns:m="http://schemas.openxmlformats.org/officeDocument/2006/math" xmlns="" val="1"/>
+              <ma14:wrappingTextBoxFlag xmlns="" xmlns:m="http://schemas.openxmlformats.org/officeDocument/2006/math" xmlns:a14="http://schemas.microsoft.com/office/drawing/2010/main" xmlns:ma14="http://schemas.microsoft.com/office/mac/drawingml/2011/main" val="1"/>
             </a:ext>
           </a:extLst>
         </p:spPr>
@@ -8724,8 +8730,8 @@
         </p:nvSpPr>
         <p:spPr>
           <a:xfrm>
-            <a:off x="3570215" y="173270"/>
-            <a:ext cx="5051568" cy="492438"/>
+            <a:off x="3697044" y="80937"/>
+            <a:ext cx="4797912" cy="584771"/>
           </a:xfrm>
           <a:prstGeom prst="rect">
             <a:avLst/>
@@ -8735,7 +8741,7 @@
           </a:ln>
           <a:extLst>
             <a:ext uri="{C572A759-6A51-4108-AA02-DFA0A04FC94B}">
-              <ma14:wrappingTextBoxFlag xmlns:ma14="http://schemas.microsoft.com/office/mac/drawingml/2011/main" xmlns:a14="http://schemas.microsoft.com/office/drawing/2010/main" xmlns:m="http://schemas.openxmlformats.org/officeDocument/2006/math" xmlns="" val="1"/>
+              <ma14:wrappingTextBoxFlag xmlns="" xmlns:m="http://schemas.openxmlformats.org/officeDocument/2006/math" xmlns:a14="http://schemas.microsoft.com/office/drawing/2010/main" xmlns:ma14="http://schemas.microsoft.com/office/mac/drawingml/2011/main" val="1"/>
             </a:ext>
           </a:extLst>
         </p:spPr>
@@ -8750,53 +8756,710 @@
           </a:lstStyle>
           <a:p>
             <a:r>
-              <a:rPr lang="en-US" dirty="0"/>
-              <a:t>Transient</a:t>
+              <a:rPr lang="en-US" sz="3200" b="1" dirty="0"/>
+              <a:t>Data used for computation</a:t>
             </a:r>
-            <a:r>
-              <a:rPr dirty="0"/>
-              <a:t> State Temperature Profile</a:t>
-            </a:r>
+            <a:endParaRPr sz="3200" b="1" dirty="0"/>
           </a:p>
         </p:txBody>
       </p:sp>
-      <p:pic>
-        <p:nvPicPr>
-          <p:cNvPr id="10" name="Picture 9">
+      <p:sp>
+        <p:nvSpPr>
+          <p:cNvPr id="2" name="TextBox 1">
             <a:extLst>
               <a:ext uri="{FF2B5EF4-FFF2-40B4-BE49-F238E27FC236}">
-                <a16:creationId xmlns:a16="http://schemas.microsoft.com/office/drawing/2014/main" id="{09162782-B0EF-40D1-B20B-DDB65F194304}"/>
+                <a16:creationId xmlns:a16="http://schemas.microsoft.com/office/drawing/2014/main" id="{FF968334-1F4F-4DD1-94A8-A9A614117665}"/>
               </a:ext>
             </a:extLst>
           </p:cNvPr>
-          <p:cNvPicPr>
-            <a:picLocks noChangeAspect="1"/>
-          </p:cNvPicPr>
+          <p:cNvSpPr txBox="1"/>
           <p:nvPr/>
-        </p:nvPicPr>
-        <p:blipFill>
-          <a:blip r:embed="rId2">
-            <a:extLst>
-              <a:ext uri="{28A0092B-C50C-407E-A947-70E740481C1C}">
-                <a14:useLocalDpi xmlns:a14="http://schemas.microsoft.com/office/drawing/2010/main" val="0"/>
-              </a:ext>
-            </a:extLst>
-          </a:blip>
-          <a:stretch>
-            <a:fillRect/>
-          </a:stretch>
-        </p:blipFill>
+        </p:nvSpPr>
         <p:spPr>
           <a:xfrm>
-            <a:off x="1967804" y="665708"/>
-            <a:ext cx="8256389" cy="6192292"/>
+            <a:off x="1616242" y="665708"/>
+            <a:ext cx="8959516" cy="6555637"/>
           </a:xfrm>
           <a:prstGeom prst="rect">
             <a:avLst/>
           </a:prstGeom>
+          <a:noFill/>
+          <a:ln w="12700" cap="flat">
+            <a:noFill/>
+            <a:miter lim="400000"/>
+          </a:ln>
+          <a:effectLst/>
+          <a:sp3d/>
         </p:spPr>
-      </p:pic>
+        <p:style>
+          <a:lnRef idx="0">
+            <a:scrgbClr r="0" g="0" b="0"/>
+          </a:lnRef>
+          <a:fillRef idx="0">
+            <a:scrgbClr r="0" g="0" b="0"/>
+          </a:fillRef>
+          <a:effectRef idx="0">
+            <a:scrgbClr r="0" g="0" b="0"/>
+          </a:effectRef>
+          <a:fontRef idx="none"/>
+        </p:style>
+        <p:txBody>
+          <a:bodyPr rot="0" spcFirstLastPara="1" vertOverflow="overflow" horzOverflow="overflow" vert="horz" wrap="square" lIns="45718" tIns="45718" rIns="45718" bIns="45718" numCol="1" spcCol="38100" rtlCol="0" anchor="t">
+            <a:spAutoFit/>
+          </a:bodyPr>
+          <a:lstStyle/>
+          <a:p>
+            <a:pPr marL="457200" marR="0" indent="-457200" algn="l" defTabSz="914400" rtl="0" fontAlgn="auto" latinLnBrk="0" hangingPunct="0">
+              <a:lnSpc>
+                <a:spcPct val="100000"/>
+              </a:lnSpc>
+              <a:spcBef>
+                <a:spcPts val="0"/>
+              </a:spcBef>
+              <a:spcAft>
+                <a:spcPts val="0"/>
+              </a:spcAft>
+              <a:buClrTx/>
+              <a:buSzTx/>
+              <a:buFont typeface="Arial" panose="020B0604020202020204" pitchFamily="34" charset="0"/>
+              <a:buChar char="•"/>
+              <a:tabLst/>
+            </a:pPr>
+            <a:r>
+              <a:rPr kumimoji="0" lang="en-US" sz="2800" b="0" i="0" u="none" strike="noStrike" cap="none" spc="0" normalizeH="0" baseline="0" dirty="0">
+                <a:ln>
+                  <a:noFill/>
+                </a:ln>
+                <a:solidFill>
+                  <a:srgbClr val="000000"/>
+                </a:solidFill>
+                <a:effectLst/>
+                <a:uFillTx/>
+                <a:latin typeface="+mj-lt"/>
+                <a:ea typeface="+mj-ea"/>
+                <a:cs typeface="+mj-cs"/>
+                <a:sym typeface="Calibri"/>
+              </a:rPr>
+              <a:t>Fuel Rod material = UO</a:t>
+            </a:r>
+            <a:r>
+              <a:rPr kumimoji="0" lang="en-US" sz="2800" b="0" i="0" u="none" strike="noStrike" cap="none" spc="0" normalizeH="0" baseline="-25000" dirty="0">
+                <a:ln>
+                  <a:noFill/>
+                </a:ln>
+                <a:solidFill>
+                  <a:srgbClr val="000000"/>
+                </a:solidFill>
+                <a:effectLst/>
+                <a:uFillTx/>
+                <a:latin typeface="+mj-lt"/>
+                <a:ea typeface="+mj-ea"/>
+                <a:cs typeface="+mj-cs"/>
+                <a:sym typeface="Calibri"/>
+              </a:rPr>
+              <a:t>2</a:t>
+            </a:r>
+            <a:r>
+              <a:rPr kumimoji="0" lang="en-US" sz="2800" b="0" i="0" u="none" strike="noStrike" cap="none" spc="0" normalizeH="0" dirty="0">
+                <a:ln>
+                  <a:noFill/>
+                </a:ln>
+                <a:solidFill>
+                  <a:srgbClr val="000000"/>
+                </a:solidFill>
+                <a:effectLst/>
+                <a:uFillTx/>
+                <a:latin typeface="+mj-lt"/>
+                <a:ea typeface="+mj-ea"/>
+                <a:cs typeface="+mj-cs"/>
+                <a:sym typeface="Calibri"/>
+              </a:rPr>
+              <a:t> </a:t>
+            </a:r>
+            <a:r>
+              <a:rPr kumimoji="0" lang="en-US" sz="2800" b="1" i="0" u="none" strike="noStrike" cap="none" spc="0" normalizeH="0" dirty="0">
+                <a:ln>
+                  <a:noFill/>
+                </a:ln>
+                <a:solidFill>
+                  <a:srgbClr val="000000"/>
+                </a:solidFill>
+                <a:effectLst/>
+                <a:uFillTx/>
+                <a:latin typeface="+mj-lt"/>
+                <a:ea typeface="+mj-ea"/>
+                <a:cs typeface="+mj-cs"/>
+                <a:sym typeface="Calibri"/>
+              </a:rPr>
+              <a:t>(</a:t>
+            </a:r>
+            <a:r>
+              <a:rPr kumimoji="0" lang="en-US" sz="2800" b="1" i="0" u="none" strike="noStrike" cap="none" spc="0" normalizeH="0" dirty="0" err="1">
+                <a:ln>
+                  <a:noFill/>
+                </a:ln>
+                <a:solidFill>
+                  <a:srgbClr val="000000"/>
+                </a:solidFill>
+                <a:effectLst/>
+                <a:uFillTx/>
+                <a:latin typeface="+mj-lt"/>
+                <a:ea typeface="+mj-ea"/>
+                <a:cs typeface="+mj-cs"/>
+                <a:sym typeface="Calibri"/>
+              </a:rPr>
+              <a:t>K</a:t>
+            </a:r>
+            <a:r>
+              <a:rPr kumimoji="0" lang="en-US" sz="2800" b="1" i="0" u="none" strike="noStrike" cap="none" spc="0" normalizeH="0" baseline="-25000" dirty="0" err="1">
+                <a:ln>
+                  <a:noFill/>
+                </a:ln>
+                <a:solidFill>
+                  <a:srgbClr val="000000"/>
+                </a:solidFill>
+                <a:effectLst/>
+                <a:uFillTx/>
+                <a:latin typeface="+mj-lt"/>
+                <a:ea typeface="+mj-ea"/>
+                <a:cs typeface="+mj-cs"/>
+                <a:sym typeface="Calibri"/>
+              </a:rPr>
+              <a:t>f</a:t>
+            </a:r>
+            <a:r>
+              <a:rPr kumimoji="0" lang="en-US" sz="2800" b="1" i="0" u="none" strike="noStrike" cap="none" spc="0" normalizeH="0" dirty="0">
+                <a:ln>
+                  <a:noFill/>
+                </a:ln>
+                <a:solidFill>
+                  <a:srgbClr val="000000"/>
+                </a:solidFill>
+                <a:effectLst/>
+                <a:uFillTx/>
+                <a:latin typeface="+mj-lt"/>
+                <a:ea typeface="+mj-ea"/>
+                <a:cs typeface="+mj-cs"/>
+                <a:sym typeface="Calibri"/>
+              </a:rPr>
+              <a:t> = 2.5 W/m-K)</a:t>
+            </a:r>
+            <a:endParaRPr kumimoji="0" lang="en-US" sz="2800" b="1" i="0" u="none" strike="noStrike" cap="none" spc="0" normalizeH="0" baseline="-25000" dirty="0">
+              <a:ln>
+                <a:noFill/>
+              </a:ln>
+              <a:solidFill>
+                <a:srgbClr val="000000"/>
+              </a:solidFill>
+              <a:effectLst/>
+              <a:uFillTx/>
+              <a:latin typeface="+mj-lt"/>
+              <a:ea typeface="+mj-ea"/>
+              <a:cs typeface="+mj-cs"/>
+              <a:sym typeface="Calibri"/>
+            </a:endParaRPr>
+          </a:p>
+          <a:p>
+            <a:pPr marL="457200" indent="-457200">
+              <a:buFont typeface="Arial" panose="020B0604020202020204" pitchFamily="34" charset="0"/>
+              <a:buChar char="•"/>
+            </a:pPr>
+            <a:r>
+              <a:rPr kumimoji="0" lang="en-US" sz="2800" b="0" i="0" u="none" strike="noStrike" cap="none" spc="0" normalizeH="0" baseline="0" dirty="0">
+                <a:ln>
+                  <a:noFill/>
+                </a:ln>
+                <a:solidFill>
+                  <a:srgbClr val="000000"/>
+                </a:solidFill>
+                <a:effectLst/>
+                <a:uFillTx/>
+                <a:latin typeface="+mj-lt"/>
+                <a:ea typeface="+mj-ea"/>
+                <a:cs typeface="+mj-cs"/>
+                <a:sym typeface="Calibri"/>
+              </a:rPr>
+              <a:t>Clad material </a:t>
+            </a:r>
+            <a:r>
+              <a:rPr lang="en-US" sz="2800" dirty="0"/>
+              <a:t>= Zircalloy-2 </a:t>
+            </a:r>
+            <a:r>
+              <a:rPr lang="en-US" sz="2800" b="1" dirty="0"/>
+              <a:t>(</a:t>
+            </a:r>
+            <a:r>
+              <a:rPr lang="en-US" sz="2800" b="1" dirty="0" err="1"/>
+              <a:t>K</a:t>
+            </a:r>
+            <a:r>
+              <a:rPr lang="en-US" sz="2800" b="1" baseline="-25000" dirty="0" err="1"/>
+              <a:t>f</a:t>
+            </a:r>
+            <a:r>
+              <a:rPr lang="en-US" sz="2800" b="1" dirty="0"/>
+              <a:t> = 21.5 W/m-K)</a:t>
+            </a:r>
+          </a:p>
+          <a:p>
+            <a:pPr marL="457200" indent="-457200">
+              <a:buFont typeface="Arial" panose="020B0604020202020204" pitchFamily="34" charset="0"/>
+              <a:buChar char="•"/>
+            </a:pPr>
+            <a:endParaRPr kumimoji="0" lang="en-US" sz="2800" b="0" i="0" u="none" strike="noStrike" cap="none" spc="0" normalizeH="0" baseline="0" dirty="0">
+              <a:ln>
+                <a:noFill/>
+              </a:ln>
+              <a:solidFill>
+                <a:srgbClr val="000000"/>
+              </a:solidFill>
+              <a:effectLst/>
+              <a:uFillTx/>
+              <a:latin typeface="+mj-lt"/>
+              <a:ea typeface="+mj-ea"/>
+              <a:cs typeface="+mj-cs"/>
+              <a:sym typeface="Calibri"/>
+            </a:endParaRPr>
+          </a:p>
+          <a:p>
+            <a:pPr marL="457200" marR="0" indent="-457200" algn="l" defTabSz="914400" rtl="0" fontAlgn="auto" latinLnBrk="0" hangingPunct="0">
+              <a:lnSpc>
+                <a:spcPct val="100000"/>
+              </a:lnSpc>
+              <a:spcBef>
+                <a:spcPts val="0"/>
+              </a:spcBef>
+              <a:spcAft>
+                <a:spcPts val="0"/>
+              </a:spcAft>
+              <a:buClrTx/>
+              <a:buSzTx/>
+              <a:buFont typeface="Arial" panose="020B0604020202020204" pitchFamily="34" charset="0"/>
+              <a:buChar char="•"/>
+              <a:tabLst/>
+            </a:pPr>
+            <a:r>
+              <a:rPr kumimoji="0" lang="en-US" sz="2800" b="0" i="0" u="none" strike="noStrike" cap="none" spc="0" normalizeH="0" baseline="0" dirty="0">
+                <a:ln>
+                  <a:noFill/>
+                </a:ln>
+                <a:solidFill>
+                  <a:srgbClr val="000000"/>
+                </a:solidFill>
+                <a:effectLst/>
+                <a:uFillTx/>
+                <a:latin typeface="+mj-lt"/>
+                <a:ea typeface="+mj-ea"/>
+                <a:cs typeface="+mj-cs"/>
+                <a:sym typeface="Calibri"/>
+              </a:rPr>
+              <a:t>Radius of Fuel Pin = </a:t>
+            </a:r>
+            <a:r>
+              <a:rPr kumimoji="0" lang="en-US" sz="2800" b="1" i="0" u="none" strike="noStrike" cap="none" spc="0" normalizeH="0" baseline="0" dirty="0">
+                <a:ln>
+                  <a:noFill/>
+                </a:ln>
+                <a:solidFill>
+                  <a:srgbClr val="000000"/>
+                </a:solidFill>
+                <a:effectLst/>
+                <a:uFillTx/>
+                <a:latin typeface="+mj-lt"/>
+                <a:ea typeface="+mj-ea"/>
+                <a:cs typeface="+mj-cs"/>
+                <a:sym typeface="Calibri"/>
+              </a:rPr>
+              <a:t>0.012 m</a:t>
+            </a:r>
+          </a:p>
+          <a:p>
+            <a:pPr marL="457200" marR="0" indent="-457200" algn="l" defTabSz="914400" rtl="0" fontAlgn="auto" latinLnBrk="0" hangingPunct="0">
+              <a:lnSpc>
+                <a:spcPct val="100000"/>
+              </a:lnSpc>
+              <a:spcBef>
+                <a:spcPts val="0"/>
+              </a:spcBef>
+              <a:spcAft>
+                <a:spcPts val="0"/>
+              </a:spcAft>
+              <a:buClrTx/>
+              <a:buSzTx/>
+              <a:buFont typeface="Arial" panose="020B0604020202020204" pitchFamily="34" charset="0"/>
+              <a:buChar char="•"/>
+              <a:tabLst/>
+            </a:pPr>
+            <a:r>
+              <a:rPr kumimoji="0" lang="en-US" sz="2800" b="0" i="0" u="none" strike="noStrike" cap="none" spc="0" normalizeH="0" baseline="0" dirty="0">
+                <a:ln>
+                  <a:noFill/>
+                </a:ln>
+                <a:solidFill>
+                  <a:srgbClr val="000000"/>
+                </a:solidFill>
+                <a:effectLst/>
+                <a:uFillTx/>
+                <a:latin typeface="+mj-lt"/>
+                <a:ea typeface="+mj-ea"/>
+                <a:cs typeface="+mj-cs"/>
+                <a:sym typeface="Calibri"/>
+              </a:rPr>
+              <a:t>Inner Radius of Clad = </a:t>
+            </a:r>
+            <a:r>
+              <a:rPr lang="en-US" sz="2800" b="1" dirty="0"/>
+              <a:t>0.015 m</a:t>
+            </a:r>
+          </a:p>
+          <a:p>
+            <a:pPr marL="457200" marR="0" indent="-457200" algn="l" defTabSz="914400" rtl="0" fontAlgn="auto" latinLnBrk="0" hangingPunct="0">
+              <a:lnSpc>
+                <a:spcPct val="100000"/>
+              </a:lnSpc>
+              <a:spcBef>
+                <a:spcPts val="0"/>
+              </a:spcBef>
+              <a:spcAft>
+                <a:spcPts val="0"/>
+              </a:spcAft>
+              <a:buClrTx/>
+              <a:buSzTx/>
+              <a:buFont typeface="Arial" panose="020B0604020202020204" pitchFamily="34" charset="0"/>
+              <a:buChar char="•"/>
+              <a:tabLst/>
+            </a:pPr>
+            <a:r>
+              <a:rPr kumimoji="0" lang="en-US" sz="2800" b="0" i="0" u="none" strike="noStrike" cap="none" spc="0" normalizeH="0" baseline="0" dirty="0">
+                <a:ln>
+                  <a:noFill/>
+                </a:ln>
+                <a:solidFill>
+                  <a:srgbClr val="000000"/>
+                </a:solidFill>
+                <a:effectLst/>
+                <a:uFillTx/>
+                <a:latin typeface="+mj-lt"/>
+                <a:ea typeface="+mj-ea"/>
+                <a:cs typeface="+mj-cs"/>
+                <a:sym typeface="Calibri"/>
+              </a:rPr>
+              <a:t>Outer Radius of Clad = </a:t>
+            </a:r>
+            <a:r>
+              <a:rPr kumimoji="0" lang="en-US" sz="2800" b="1" i="0" u="none" strike="noStrike" cap="none" spc="0" normalizeH="0" baseline="0" dirty="0">
+                <a:ln>
+                  <a:noFill/>
+                </a:ln>
+                <a:solidFill>
+                  <a:srgbClr val="000000"/>
+                </a:solidFill>
+                <a:effectLst/>
+                <a:uFillTx/>
+                <a:latin typeface="+mj-lt"/>
+                <a:ea typeface="+mj-ea"/>
+                <a:cs typeface="+mj-cs"/>
+                <a:sym typeface="Calibri"/>
+              </a:rPr>
+              <a:t>0.021 m</a:t>
+            </a:r>
+          </a:p>
+          <a:p>
+            <a:pPr marL="457200" marR="0" indent="-457200" algn="l" defTabSz="914400" rtl="0" fontAlgn="auto" latinLnBrk="0" hangingPunct="0">
+              <a:lnSpc>
+                <a:spcPct val="100000"/>
+              </a:lnSpc>
+              <a:spcBef>
+                <a:spcPts val="0"/>
+              </a:spcBef>
+              <a:spcAft>
+                <a:spcPts val="0"/>
+              </a:spcAft>
+              <a:buClrTx/>
+              <a:buSzTx/>
+              <a:buFont typeface="Arial" panose="020B0604020202020204" pitchFamily="34" charset="0"/>
+              <a:buChar char="•"/>
+              <a:tabLst/>
+            </a:pPr>
+            <a:r>
+              <a:rPr lang="en-US" sz="2800" dirty="0"/>
+              <a:t>Number of domains in Fuel Rod = </a:t>
+            </a:r>
+            <a:r>
+              <a:rPr lang="en-US" sz="2800" b="1" dirty="0"/>
+              <a:t>13</a:t>
+            </a:r>
+          </a:p>
+          <a:p>
+            <a:pPr marL="457200" marR="0" indent="-457200" algn="l" defTabSz="914400" rtl="0" fontAlgn="auto" latinLnBrk="0" hangingPunct="0">
+              <a:lnSpc>
+                <a:spcPct val="100000"/>
+              </a:lnSpc>
+              <a:spcBef>
+                <a:spcPts val="0"/>
+              </a:spcBef>
+              <a:spcAft>
+                <a:spcPts val="0"/>
+              </a:spcAft>
+              <a:buClrTx/>
+              <a:buSzTx/>
+              <a:buFont typeface="Arial" panose="020B0604020202020204" pitchFamily="34" charset="0"/>
+              <a:buChar char="•"/>
+              <a:tabLst/>
+            </a:pPr>
+            <a:r>
+              <a:rPr lang="en-US" sz="2800" dirty="0"/>
+              <a:t>(Number of </a:t>
+            </a:r>
+            <a:r>
+              <a:rPr lang="en-US" sz="2800" dirty="0" err="1"/>
+              <a:t>Pesudo</a:t>
+            </a:r>
+            <a:r>
+              <a:rPr lang="en-US" sz="2800" dirty="0"/>
+              <a:t>-Nodes for gap = </a:t>
+            </a:r>
+            <a:r>
+              <a:rPr lang="en-US" sz="2800" b="1" dirty="0"/>
+              <a:t>1</a:t>
+            </a:r>
+            <a:r>
+              <a:rPr lang="en-US" sz="2800" dirty="0"/>
+              <a:t>)</a:t>
+            </a:r>
+          </a:p>
+          <a:p>
+            <a:pPr marL="457200" marR="0" indent="-457200" algn="l" defTabSz="914400" rtl="0" fontAlgn="auto" latinLnBrk="0" hangingPunct="0">
+              <a:lnSpc>
+                <a:spcPct val="100000"/>
+              </a:lnSpc>
+              <a:spcBef>
+                <a:spcPts val="0"/>
+              </a:spcBef>
+              <a:spcAft>
+                <a:spcPts val="0"/>
+              </a:spcAft>
+              <a:buClrTx/>
+              <a:buSzTx/>
+              <a:buFont typeface="Arial" panose="020B0604020202020204" pitchFamily="34" charset="0"/>
+              <a:buChar char="•"/>
+              <a:tabLst/>
+            </a:pPr>
+            <a:r>
+              <a:rPr kumimoji="0" lang="en-US" sz="2800" b="0" i="0" u="none" strike="noStrike" cap="none" spc="0" normalizeH="0" baseline="0" dirty="0">
+                <a:ln>
+                  <a:noFill/>
+                </a:ln>
+                <a:solidFill>
+                  <a:srgbClr val="000000"/>
+                </a:solidFill>
+                <a:effectLst/>
+                <a:uFillTx/>
+                <a:latin typeface="+mj-lt"/>
+                <a:ea typeface="+mj-ea"/>
+                <a:cs typeface="+mj-cs"/>
+                <a:sym typeface="Calibri"/>
+              </a:rPr>
+              <a:t>Number</a:t>
+            </a:r>
+            <a:r>
+              <a:rPr lang="en-US" sz="2800" dirty="0"/>
+              <a:t> of domains in Clad = </a:t>
+            </a:r>
+            <a:r>
+              <a:rPr lang="en-US" sz="2800" b="1" dirty="0"/>
+              <a:t>8</a:t>
+            </a:r>
+          </a:p>
+          <a:p>
+            <a:pPr marL="457200" marR="0" indent="-457200" algn="l" defTabSz="914400" rtl="0" fontAlgn="auto" latinLnBrk="0" hangingPunct="0">
+              <a:lnSpc>
+                <a:spcPct val="100000"/>
+              </a:lnSpc>
+              <a:spcBef>
+                <a:spcPts val="0"/>
+              </a:spcBef>
+              <a:spcAft>
+                <a:spcPts val="0"/>
+              </a:spcAft>
+              <a:buClrTx/>
+              <a:buSzTx/>
+              <a:buFont typeface="Arial" panose="020B0604020202020204" pitchFamily="34" charset="0"/>
+              <a:buChar char="•"/>
+              <a:tabLst/>
+            </a:pPr>
+            <a:endParaRPr kumimoji="0" lang="en-US" sz="2800" b="0" i="0" u="none" strike="noStrike" cap="none" spc="0" normalizeH="0" baseline="0" dirty="0">
+              <a:ln>
+                <a:noFill/>
+              </a:ln>
+              <a:solidFill>
+                <a:srgbClr val="000000"/>
+              </a:solidFill>
+              <a:effectLst/>
+              <a:uFillTx/>
+              <a:latin typeface="+mj-lt"/>
+              <a:ea typeface="+mj-ea"/>
+              <a:cs typeface="+mj-cs"/>
+              <a:sym typeface="Calibri"/>
+            </a:endParaRPr>
+          </a:p>
+          <a:p>
+            <a:pPr marL="457200" marR="0" indent="-457200" algn="l" defTabSz="914400" rtl="0" fontAlgn="auto" latinLnBrk="0" hangingPunct="0">
+              <a:lnSpc>
+                <a:spcPct val="100000"/>
+              </a:lnSpc>
+              <a:spcBef>
+                <a:spcPts val="0"/>
+              </a:spcBef>
+              <a:spcAft>
+                <a:spcPts val="0"/>
+              </a:spcAft>
+              <a:buClrTx/>
+              <a:buSzTx/>
+              <a:buFont typeface="Arial" panose="020B0604020202020204" pitchFamily="34" charset="0"/>
+              <a:buChar char="•"/>
+              <a:tabLst/>
+            </a:pPr>
+            <a:r>
+              <a:rPr lang="en-US" sz="2800" dirty="0" err="1"/>
+              <a:t>T</a:t>
+            </a:r>
+            <a:r>
+              <a:rPr lang="en-US" sz="2800" baseline="-25000" dirty="0" err="1"/>
+              <a:t>inf</a:t>
+            </a:r>
+            <a:r>
+              <a:rPr lang="en-US" sz="2800" dirty="0"/>
+              <a:t> = </a:t>
+            </a:r>
+            <a:r>
+              <a:rPr lang="en-US" sz="2800" b="1" dirty="0"/>
+              <a:t>400K</a:t>
+            </a:r>
+          </a:p>
+          <a:p>
+            <a:pPr marL="457200" marR="0" indent="-457200" algn="l" defTabSz="914400" rtl="0" fontAlgn="auto" latinLnBrk="0" hangingPunct="0">
+              <a:lnSpc>
+                <a:spcPct val="100000"/>
+              </a:lnSpc>
+              <a:spcBef>
+                <a:spcPts val="0"/>
+              </a:spcBef>
+              <a:spcAft>
+                <a:spcPts val="0"/>
+              </a:spcAft>
+              <a:buClrTx/>
+              <a:buSzTx/>
+              <a:buFont typeface="Arial" panose="020B0604020202020204" pitchFamily="34" charset="0"/>
+              <a:buChar char="•"/>
+              <a:tabLst/>
+            </a:pPr>
+            <a:r>
+              <a:rPr lang="en-US" sz="2800" dirty="0"/>
+              <a:t>Heat Transfer Coefficient (Fuel-Gap-Clad) = </a:t>
+            </a:r>
+            <a:r>
+              <a:rPr lang="en-US" sz="2800" b="1" dirty="0"/>
+              <a:t>7800 W/m</a:t>
+            </a:r>
+            <a:r>
+              <a:rPr lang="en-US" sz="2800" b="1" baseline="30000" dirty="0"/>
+              <a:t>2</a:t>
+            </a:r>
+            <a:r>
+              <a:rPr lang="en-US" sz="2800" b="1" dirty="0"/>
+              <a:t>-K</a:t>
+            </a:r>
+          </a:p>
+          <a:p>
+            <a:pPr marL="457200" indent="-457200">
+              <a:buFont typeface="Arial" panose="020B0604020202020204" pitchFamily="34" charset="0"/>
+              <a:buChar char="•"/>
+            </a:pPr>
+            <a:r>
+              <a:rPr lang="en-US" sz="2800" dirty="0"/>
+              <a:t>Heat Transfer Coefficient (Clad-Coolant) = </a:t>
+            </a:r>
+            <a:r>
+              <a:rPr lang="en-US" sz="2800" b="1" dirty="0"/>
+              <a:t>3840 W/m</a:t>
+            </a:r>
+            <a:r>
+              <a:rPr lang="en-US" sz="2800" b="1" baseline="30000" dirty="0"/>
+              <a:t>2</a:t>
+            </a:r>
+            <a:r>
+              <a:rPr lang="en-US" sz="2800" b="1" dirty="0"/>
+              <a:t>-K</a:t>
+            </a:r>
+          </a:p>
+          <a:p>
+            <a:pPr marL="457200" marR="0" indent="-457200" algn="l" defTabSz="914400" rtl="0" fontAlgn="auto" latinLnBrk="0" hangingPunct="0">
+              <a:lnSpc>
+                <a:spcPct val="100000"/>
+              </a:lnSpc>
+              <a:spcBef>
+                <a:spcPts val="0"/>
+              </a:spcBef>
+              <a:spcAft>
+                <a:spcPts val="0"/>
+              </a:spcAft>
+              <a:buClrTx/>
+              <a:buSzTx/>
+              <a:buFont typeface="Arial" panose="020B0604020202020204" pitchFamily="34" charset="0"/>
+              <a:buChar char="•"/>
+              <a:tabLst/>
+            </a:pPr>
+            <a:r>
+              <a:rPr lang="en-US" sz="2800" dirty="0"/>
+              <a:t>Delta T (for Transient) = </a:t>
+            </a:r>
+            <a:r>
+              <a:rPr lang="en-US" sz="2800" b="1" dirty="0"/>
+              <a:t>0.1 s</a:t>
+            </a:r>
+          </a:p>
+          <a:p>
+            <a:pPr marL="457200" marR="0" indent="-457200" algn="l" defTabSz="914400" rtl="0" fontAlgn="auto" latinLnBrk="0" hangingPunct="0">
+              <a:lnSpc>
+                <a:spcPct val="100000"/>
+              </a:lnSpc>
+              <a:spcBef>
+                <a:spcPts val="0"/>
+              </a:spcBef>
+              <a:spcAft>
+                <a:spcPts val="0"/>
+              </a:spcAft>
+              <a:buClrTx/>
+              <a:buSzTx/>
+              <a:buFont typeface="Arial" panose="020B0604020202020204" pitchFamily="34" charset="0"/>
+              <a:buChar char="•"/>
+              <a:tabLst/>
+            </a:pPr>
+            <a:endParaRPr kumimoji="0" lang="en-IN" sz="2800" b="0" i="0" u="none" strike="noStrike" cap="none" spc="0" normalizeH="0" baseline="0" dirty="0">
+              <a:ln>
+                <a:noFill/>
+              </a:ln>
+              <a:solidFill>
+                <a:srgbClr val="000000"/>
+              </a:solidFill>
+              <a:effectLst/>
+              <a:uFillTx/>
+              <a:latin typeface="+mj-lt"/>
+              <a:ea typeface="+mj-ea"/>
+              <a:cs typeface="+mj-cs"/>
+              <a:sym typeface="Calibri"/>
+            </a:endParaRPr>
+          </a:p>
+        </p:txBody>
+      </p:sp>
     </p:spTree>
+    <p:extLst>
+      <p:ext uri="{BB962C8B-B14F-4D97-AF65-F5344CB8AC3E}">
+        <p14:creationId xmlns:p14="http://schemas.microsoft.com/office/powerpoint/2010/main" val="709603405"/>
+      </p:ext>
+    </p:extLst>
   </p:cSld>
   <p:clrMapOvr>
     <a:masterClrMapping/>
@@ -8836,8 +9499,8 @@
         </p:nvSpPr>
         <p:spPr>
           <a:xfrm>
-            <a:off x="3789396" y="173270"/>
-            <a:ext cx="4613203" cy="492438"/>
+            <a:off x="3570215" y="173270"/>
+            <a:ext cx="5051568" cy="492438"/>
           </a:xfrm>
           <a:prstGeom prst="rect">
             <a:avLst/>
@@ -8847,7 +9510,7 @@
           </a:ln>
           <a:extLst>
             <a:ext uri="{C572A759-6A51-4108-AA02-DFA0A04FC94B}">
-              <ma14:wrappingTextBoxFlag xmlns:ma14="http://schemas.microsoft.com/office/mac/drawingml/2011/main" xmlns:a14="http://schemas.microsoft.com/office/drawing/2010/main" xmlns:m="http://schemas.openxmlformats.org/officeDocument/2006/math" xmlns="" val="1"/>
+              <ma14:wrappingTextBoxFlag xmlns="" xmlns:m="http://schemas.openxmlformats.org/officeDocument/2006/math" xmlns:a14="http://schemas.microsoft.com/office/drawing/2010/main" xmlns:ma14="http://schemas.microsoft.com/office/mac/drawingml/2011/main" val="1"/>
             </a:ext>
           </a:extLst>
         </p:spPr>
@@ -8862,11 +9525,11 @@
           </a:lstStyle>
           <a:p>
             <a:r>
-              <a:rPr lang="en-US" dirty="0"/>
-              <a:t>Steady</a:t>
+              <a:rPr lang="en-US" b="1" dirty="0"/>
+              <a:t>Transient</a:t>
             </a:r>
             <a:r>
-              <a:rPr dirty="0"/>
+              <a:rPr b="1" dirty="0"/>
               <a:t> State Temperature Profile</a:t>
             </a:r>
           </a:p>
@@ -8874,10 +9537,10 @@
       </p:sp>
       <p:pic>
         <p:nvPicPr>
-          <p:cNvPr id="11" name="Picture 10">
+          <p:cNvPr id="3" name="Picture 2">
             <a:extLst>
               <a:ext uri="{FF2B5EF4-FFF2-40B4-BE49-F238E27FC236}">
-                <a16:creationId xmlns:a16="http://schemas.microsoft.com/office/drawing/2014/main" id="{7BE1456A-B38F-46F7-85AA-BF84048F29D4}"/>
+                <a16:creationId xmlns:a16="http://schemas.microsoft.com/office/drawing/2014/main" id="{1F5C93F4-7DC8-4188-8252-8ABD99444E5F}"/>
               </a:ext>
             </a:extLst>
           </p:cNvPr>
@@ -8900,8 +9563,120 @@
         </p:blipFill>
         <p:spPr>
           <a:xfrm>
-            <a:off x="1967805" y="665708"/>
-            <a:ext cx="8256389" cy="6192292"/>
+            <a:off x="1967804" y="665708"/>
+            <a:ext cx="8256389" cy="6192291"/>
+          </a:xfrm>
+          <a:prstGeom prst="rect">
+            <a:avLst/>
+          </a:prstGeom>
+        </p:spPr>
+      </p:pic>
+    </p:spTree>
+  </p:cSld>
+  <p:clrMapOvr>
+    <a:masterClrMapping/>
+  </p:clrMapOvr>
+  <p:transition spd="med"/>
+</p:sld>
+</file>
+
+<file path=ppt/slides/slide15.xml><?xml version="1.0" encoding="utf-8"?>
+<p:sld xmlns:a="http://schemas.openxmlformats.org/drawingml/2006/main" xmlns:r="http://schemas.openxmlformats.org/officeDocument/2006/relationships" xmlns:p="http://schemas.openxmlformats.org/presentationml/2006/main">
+  <p:cSld>
+    <p:spTree>
+      <p:nvGrpSpPr>
+        <p:cNvPr id="1" name=""/>
+        <p:cNvGrpSpPr/>
+        <p:nvPr/>
+      </p:nvGrpSpPr>
+      <p:grpSpPr>
+        <a:xfrm>
+          <a:off x="0" y="0"/>
+          <a:ext cx="0" cy="0"/>
+          <a:chOff x="0" y="0"/>
+          <a:chExt cx="0" cy="0"/>
+        </a:xfrm>
+      </p:grpSpPr>
+      <p:sp>
+        <p:nvSpPr>
+          <p:cNvPr id="4" name="Steady State Temperature Profile">
+            <a:extLst>
+              <a:ext uri="{FF2B5EF4-FFF2-40B4-BE49-F238E27FC236}">
+                <a16:creationId xmlns:a16="http://schemas.microsoft.com/office/drawing/2014/main" id="{F1CA5604-2DF0-4101-947C-CAB581DF807B}"/>
+              </a:ext>
+            </a:extLst>
+          </p:cNvPr>
+          <p:cNvSpPr txBox="1"/>
+          <p:nvPr/>
+        </p:nvSpPr>
+        <p:spPr>
+          <a:xfrm>
+            <a:off x="3707458" y="173271"/>
+            <a:ext cx="4777083" cy="492438"/>
+          </a:xfrm>
+          <a:prstGeom prst="rect">
+            <a:avLst/>
+          </a:prstGeom>
+          <a:ln w="12700">
+            <a:miter lim="400000"/>
+          </a:ln>
+          <a:extLst>
+            <a:ext uri="{C572A759-6A51-4108-AA02-DFA0A04FC94B}">
+              <ma14:wrappingTextBoxFlag xmlns="" xmlns:m="http://schemas.openxmlformats.org/officeDocument/2006/math" xmlns:a14="http://schemas.microsoft.com/office/drawing/2010/main" xmlns:ma14="http://schemas.microsoft.com/office/mac/drawingml/2011/main" val="1"/>
+            </a:ext>
+          </a:extLst>
+        </p:spPr>
+        <p:txBody>
+          <a:bodyPr wrap="square" lIns="45718" tIns="45718" rIns="45718" bIns="45718">
+            <a:spAutoFit/>
+          </a:bodyPr>
+          <a:lstStyle>
+            <a:lvl1pPr>
+              <a:defRPr sz="2600"/>
+            </a:lvl1pPr>
+          </a:lstStyle>
+          <a:p>
+            <a:r>
+              <a:rPr lang="en-US" b="1" dirty="0"/>
+              <a:t>Steady</a:t>
+            </a:r>
+            <a:r>
+              <a:rPr b="1" dirty="0"/>
+              <a:t> State Temperature Profile</a:t>
+            </a:r>
+          </a:p>
+        </p:txBody>
+      </p:sp>
+      <p:pic>
+        <p:nvPicPr>
+          <p:cNvPr id="3" name="Picture 2">
+            <a:extLst>
+              <a:ext uri="{FF2B5EF4-FFF2-40B4-BE49-F238E27FC236}">
+                <a16:creationId xmlns:a16="http://schemas.microsoft.com/office/drawing/2014/main" id="{3BE394AA-8B46-4859-A32B-B5F59C1B94A8}"/>
+              </a:ext>
+            </a:extLst>
+          </p:cNvPr>
+          <p:cNvPicPr>
+            <a:picLocks noChangeAspect="1"/>
+          </p:cNvPicPr>
+          <p:nvPr/>
+        </p:nvPicPr>
+        <p:blipFill>
+          <a:blip r:embed="rId2">
+            <a:extLst>
+              <a:ext uri="{28A0092B-C50C-407E-A947-70E740481C1C}">
+                <a14:useLocalDpi xmlns:a14="http://schemas.microsoft.com/office/drawing/2010/main" val="0"/>
+              </a:ext>
+            </a:extLst>
+          </a:blip>
+          <a:stretch>
+            <a:fillRect/>
+          </a:stretch>
+        </p:blipFill>
+        <p:spPr>
+          <a:xfrm>
+            <a:off x="1967806" y="665709"/>
+            <a:ext cx="8256388" cy="6192291"/>
           </a:xfrm>
           <a:prstGeom prst="rect">
             <a:avLst/>
@@ -9349,8 +10124,8 @@
           <a:chExt cx="0" cy="0"/>
         </a:xfrm>
       </p:grpSpPr>
-      <mc:AlternateContent xmlns:mc="http://schemas.openxmlformats.org/markup-compatibility/2006">
-        <mc:Choice xmlns:a14="http://schemas.microsoft.com/office/drawing/2010/main" Requires="a14">
+      <mc:AlternateContent xmlns:mc="http://schemas.openxmlformats.org/markup-compatibility/2006" xmlns:a14="http://schemas.microsoft.com/office/drawing/2010/main">
+        <mc:Choice Requires="a14">
           <p:sp>
             <p:nvSpPr>
               <p:cNvPr id="112" name="Equation"/>
@@ -9397,7 +10172,7 @@
                       <m:sSubSup>
                         <m:sSubSupPr>
                           <m:ctrlPr>
-                            <a:rPr sz="3200">
+                            <a:rPr sz="3200" i="1">
                               <a:solidFill>
                                 <a:srgbClr val="000000"/>
                               </a:solidFill>
@@ -9944,7 +10719,7 @@
             </p:txBody>
           </p:sp>
         </mc:Choice>
-        <mc:Fallback>
+        <mc:Fallback xmlns="">
           <p:sp>
             <p:nvSpPr>
               <p:cNvPr id="112" name="Equation"/>
@@ -10003,7 +10778,7 @@
           </a:ln>
           <a:extLst>
             <a:ext uri="{C572A759-6A51-4108-AA02-DFA0A04FC94B}">
-              <ma14:wrappingTextBoxFlag xmlns:ma14="http://schemas.microsoft.com/office/mac/drawingml/2011/main" xmlns:a14="http://schemas.microsoft.com/office/drawing/2010/main" xmlns:m="http://schemas.openxmlformats.org/officeDocument/2006/math" xmlns="" val="1"/>
+              <ma14:wrappingTextBoxFlag xmlns="" xmlns:m="http://schemas.openxmlformats.org/officeDocument/2006/math" xmlns:a14="http://schemas.microsoft.com/office/drawing/2010/main" xmlns:ma14="http://schemas.microsoft.com/office/mac/drawingml/2011/main" val="1"/>
             </a:ext>
           </a:extLst>
         </p:spPr>
@@ -10064,7 +10839,7 @@
           <a:ln/>
           <a:extLst>
             <a:ext uri="{C572A759-6A51-4108-AA02-DFA0A04FC94B}">
-              <ma14:wrappingTextBoxFlag xmlns:ma14="http://schemas.microsoft.com/office/mac/drawingml/2011/main" xmlns:a14="http://schemas.microsoft.com/office/drawing/2010/main" xmlns:m="http://schemas.openxmlformats.org/officeDocument/2006/math" xmlns="" val="1"/>
+              <ma14:wrappingTextBoxFlag xmlns="" xmlns:m="http://schemas.openxmlformats.org/officeDocument/2006/math" xmlns:a14="http://schemas.microsoft.com/office/drawing/2010/main" xmlns:ma14="http://schemas.microsoft.com/office/mac/drawingml/2011/main" val="1"/>
             </a:ext>
           </a:extLst>
         </p:spPr>
@@ -10199,7 +10974,7 @@
           </a:ln>
           <a:extLst>
             <a:ext uri="{C572A759-6A51-4108-AA02-DFA0A04FC94B}">
-              <ma14:wrappingTextBoxFlag xmlns:ma14="http://schemas.microsoft.com/office/mac/drawingml/2011/main" xmlns:a14="http://schemas.microsoft.com/office/drawing/2010/main" xmlns:m="http://schemas.openxmlformats.org/officeDocument/2006/math" xmlns="" val="1"/>
+              <ma14:wrappingTextBoxFlag xmlns="" xmlns:m="http://schemas.openxmlformats.org/officeDocument/2006/math" xmlns:a14="http://schemas.microsoft.com/office/drawing/2010/main" xmlns:ma14="http://schemas.microsoft.com/office/mac/drawingml/2011/main" val="1"/>
             </a:ext>
           </a:extLst>
         </p:spPr>
@@ -10229,8 +11004,8 @@
           </a:p>
         </p:txBody>
       </p:sp>
-      <mc:AlternateContent xmlns:mc="http://schemas.openxmlformats.org/markup-compatibility/2006">
-        <mc:Choice xmlns:a14="http://schemas.microsoft.com/office/drawing/2010/main" Requires="a14">
+      <mc:AlternateContent xmlns:mc="http://schemas.openxmlformats.org/markup-compatibility/2006" xmlns:a14="http://schemas.microsoft.com/office/drawing/2010/main">
+        <mc:Choice Requires="a14">
           <p:sp>
             <p:nvSpPr>
               <p:cNvPr id="5" name="Equation">
@@ -10283,7 +11058,7 @@
                       <m:sSubSup>
                         <m:sSubSupPr>
                           <m:ctrlPr>
-                            <a:rPr sz="2200">
+                            <a:rPr sz="2200" i="1">
                               <a:solidFill>
                                 <a:srgbClr val="000000"/>
                               </a:solidFill>
@@ -10464,7 +11239,7 @@
                               </a:solidFill>
                               <a:latin typeface="Cambria Math" panose="02040503050406030204" pitchFamily="18" charset="0"/>
                             </a:rPr>
-                            <m:t>∂</m:t>
+                            <m:t>𝜕</m:t>
                           </m:r>
                         </m:num>
                         <m:den>
@@ -10475,7 +11250,7 @@
                               </a:solidFill>
                               <a:latin typeface="Cambria Math" panose="02040503050406030204" pitchFamily="18" charset="0"/>
                             </a:rPr>
-                            <m:t>∂</m:t>
+                            <m:t>𝜕</m:t>
                           </m:r>
                           <m:r>
                             <a:rPr sz="2200" i="1">
@@ -10528,7 +11303,7 @@
                                   </a:solidFill>
                                   <a:latin typeface="Cambria Math" panose="02040503050406030204" pitchFamily="18" charset="0"/>
                                 </a:rPr>
-                                <m:t>∂</m:t>
+                                <m:t>𝜕</m:t>
                               </m:r>
                             </m:num>
                             <m:den>
@@ -10539,7 +11314,7 @@
                                   </a:solidFill>
                                   <a:latin typeface="Cambria Math" panose="02040503050406030204" pitchFamily="18" charset="0"/>
                                 </a:rPr>
-                                <m:t>∂</m:t>
+                                <m:t>𝜕</m:t>
                               </m:r>
                               <m:r>
                                 <a:rPr sz="2200" i="1">
@@ -11530,7 +12305,7 @@
             </p:txBody>
           </p:sp>
         </mc:Choice>
-        <mc:Fallback>
+        <mc:Fallback xmlns="">
           <p:sp>
             <p:nvSpPr>
               <p:cNvPr id="5" name="Equation">
@@ -11599,7 +12374,7 @@
           <a:ln/>
           <a:extLst>
             <a:ext uri="{C572A759-6A51-4108-AA02-DFA0A04FC94B}">
-              <ma14:wrappingTextBoxFlag xmlns:ma14="http://schemas.microsoft.com/office/mac/drawingml/2011/main" xmlns:a14="http://schemas.microsoft.com/office/drawing/2010/main" xmlns:m="http://schemas.openxmlformats.org/officeDocument/2006/math" xmlns="" val="1"/>
+              <ma14:wrappingTextBoxFlag xmlns="" xmlns:m="http://schemas.openxmlformats.org/officeDocument/2006/math" xmlns:a14="http://schemas.microsoft.com/office/drawing/2010/main" xmlns:ma14="http://schemas.microsoft.com/office/mac/drawingml/2011/main" val="1"/>
             </a:ext>
           </a:extLst>
         </p:spPr>
@@ -11739,7 +12514,7 @@
           </a:ln>
           <a:extLst>
             <a:ext uri="{C572A759-6A51-4108-AA02-DFA0A04FC94B}">
-              <ma14:wrappingTextBoxFlag xmlns:ma14="http://schemas.microsoft.com/office/mac/drawingml/2011/main" xmlns:a14="http://schemas.microsoft.com/office/drawing/2010/main" xmlns:m="http://schemas.openxmlformats.org/officeDocument/2006/math" xmlns="" val="1"/>
+              <ma14:wrappingTextBoxFlag xmlns="" xmlns:m="http://schemas.openxmlformats.org/officeDocument/2006/math" xmlns:a14="http://schemas.microsoft.com/office/drawing/2010/main" xmlns:ma14="http://schemas.microsoft.com/office/mac/drawingml/2011/main" val="1"/>
             </a:ext>
           </a:extLst>
         </p:spPr>
@@ -11786,7 +12561,7 @@
           <a:ln/>
           <a:extLst>
             <a:ext uri="{C572A759-6A51-4108-AA02-DFA0A04FC94B}">
-              <ma14:wrappingTextBoxFlag xmlns:ma14="http://schemas.microsoft.com/office/mac/drawingml/2011/main" xmlns:a14="http://schemas.microsoft.com/office/drawing/2010/main" xmlns:m="http://schemas.openxmlformats.org/officeDocument/2006/math" xmlns="" val="1"/>
+              <ma14:wrappingTextBoxFlag xmlns="" xmlns:m="http://schemas.openxmlformats.org/officeDocument/2006/math" xmlns:a14="http://schemas.microsoft.com/office/drawing/2010/main" xmlns:ma14="http://schemas.microsoft.com/office/mac/drawingml/2011/main" val="1"/>
             </a:ext>
           </a:extLst>
         </p:spPr>
@@ -11876,8 +12651,8 @@
           </a:p>
         </p:txBody>
       </p:sp>
-      <mc:AlternateContent xmlns:mc="http://schemas.openxmlformats.org/markup-compatibility/2006">
-        <mc:Choice xmlns:a14="http://schemas.microsoft.com/office/drawing/2010/main" Requires="a14">
+      <mc:AlternateContent xmlns:mc="http://schemas.openxmlformats.org/markup-compatibility/2006" xmlns:a14="http://schemas.microsoft.com/office/drawing/2010/main">
+        <mc:Choice Requires="a14">
           <p:sp>
             <p:nvSpPr>
               <p:cNvPr id="5" name="Equation">
@@ -11930,7 +12705,7 @@
                       <m:sSubSup>
                         <m:sSubSupPr>
                           <m:ctrlPr>
-                            <a:rPr lang="ar-AE" sz="3200" smtClean="0">
+                            <a:rPr lang="ar-AE" sz="3200" i="1" smtClean="0">
                               <a:solidFill>
                                 <a:srgbClr val="000000"/>
                               </a:solidFill>
@@ -12597,7 +13372,7 @@
             </p:txBody>
           </p:sp>
         </mc:Choice>
-        <mc:Fallback>
+        <mc:Fallback xmlns="">
           <p:sp>
             <p:nvSpPr>
               <p:cNvPr id="5" name="Equation">
@@ -12674,8 +13449,8 @@
           <a:chExt cx="0" cy="0"/>
         </a:xfrm>
       </p:grpSpPr>
-      <mc:AlternateContent xmlns:mc="http://schemas.openxmlformats.org/markup-compatibility/2006">
-        <mc:Choice xmlns:a14="http://schemas.microsoft.com/office/drawing/2010/main" Requires="a14">
+      <mc:AlternateContent xmlns:mc="http://schemas.openxmlformats.org/markup-compatibility/2006" xmlns:a14="http://schemas.microsoft.com/office/drawing/2010/main">
+        <mc:Choice Requires="a14">
           <p:sp>
             <p:nvSpPr>
               <p:cNvPr id="124" name="Equation"/>
@@ -12722,7 +13497,7 @@
                       <m:sSubSup>
                         <m:sSubSupPr>
                           <m:ctrlPr>
-                            <a:rPr sz="2000">
+                            <a:rPr sz="2000" i="1">
                               <a:solidFill>
                                 <a:srgbClr val="000000"/>
                               </a:solidFill>
@@ -12858,7 +13633,7 @@
                               </a:solidFill>
                               <a:latin typeface="Cambria Math" panose="02040503050406030204" pitchFamily="18" charset="0"/>
                             </a:rPr>
-                            <m:t>∂</m:t>
+                            <m:t>𝜕</m:t>
                           </m:r>
                         </m:num>
                         <m:den>
@@ -12869,7 +13644,7 @@
                               </a:solidFill>
                               <a:latin typeface="Cambria Math" panose="02040503050406030204" pitchFamily="18" charset="0"/>
                             </a:rPr>
-                            <m:t>∂</m:t>
+                            <m:t>𝜕</m:t>
                           </m:r>
                           <m:r>
                             <a:rPr sz="2000" i="1">
@@ -13117,25 +13892,7 @@
                               </a:solidFill>
                               <a:latin typeface="Cambria Math" panose="02040503050406030204" pitchFamily="18" charset="0"/>
                             </a:rPr>
-                            <m:t>(</m:t>
-                          </m:r>
-                          <m:r>
-                            <a:rPr sz="2000" i="1">
-                              <a:solidFill>
-                                <a:srgbClr val="000000"/>
-                              </a:solidFill>
-                              <a:latin typeface="Cambria Math" panose="02040503050406030204" pitchFamily="18" charset="0"/>
-                            </a:rPr>
-                            <m:t>1</m:t>
-                          </m:r>
-                          <m:r>
-                            <a:rPr sz="2000" i="1">
-                              <a:solidFill>
-                                <a:srgbClr val="000000"/>
-                              </a:solidFill>
-                              <a:latin typeface="Cambria Math" panose="02040503050406030204" pitchFamily="18" charset="0"/>
-                            </a:rPr>
-                            <m:t>/</m:t>
+                            <m:t>(1/</m:t>
                           </m:r>
                           <m:r>
                             <a:rPr sz="2000" i="1">
@@ -13174,7 +13931,7 @@
                                   </a:solidFill>
                                   <a:latin typeface="Cambria Math" panose="02040503050406030204" pitchFamily="18" charset="0"/>
                                 </a:rPr>
-                                <m:t>∂</m:t>
+                                <m:t>𝜕</m:t>
                               </m:r>
                             </m:num>
                             <m:den>
@@ -13185,7 +13942,7 @@
                                   </a:solidFill>
                                   <a:latin typeface="Cambria Math" panose="02040503050406030204" pitchFamily="18" charset="0"/>
                                 </a:rPr>
-                                <m:t>∂</m:t>
+                                <m:t>𝜕</m:t>
                               </m:r>
                               <m:r>
                                 <a:rPr sz="2000" i="1">
@@ -13238,7 +13995,7 @@
                                       </a:solidFill>
                                       <a:latin typeface="Cambria Math" panose="02040503050406030204" pitchFamily="18" charset="0"/>
                                     </a:rPr>
-                                    <m:t>∂</m:t>
+                                    <m:t>𝜕</m:t>
                                   </m:r>
                                 </m:num>
                                 <m:den>
@@ -13249,7 +14006,7 @@
                                       </a:solidFill>
                                       <a:latin typeface="Cambria Math" panose="02040503050406030204" pitchFamily="18" charset="0"/>
                                     </a:rPr>
-                                    <m:t>∂</m:t>
+                                    <m:t>𝜕</m:t>
                                   </m:r>
                                   <m:r>
                                     <a:rPr sz="2000" i="1">
@@ -13475,7 +14232,7 @@
             </p:txBody>
           </p:sp>
         </mc:Choice>
-        <mc:Fallback>
+        <mc:Fallback xmlns="">
           <p:sp>
             <p:nvSpPr>
               <p:cNvPr id="124" name="Equation"/>
@@ -13515,8 +14272,8 @@
           </p:sp>
         </mc:Fallback>
       </mc:AlternateContent>
-      <mc:AlternateContent xmlns:mc="http://schemas.openxmlformats.org/markup-compatibility/2006">
-        <mc:Choice xmlns:a14="http://schemas.microsoft.com/office/drawing/2010/main" Requires="a14">
+      <mc:AlternateContent xmlns:mc="http://schemas.openxmlformats.org/markup-compatibility/2006" xmlns:a14="http://schemas.microsoft.com/office/drawing/2010/main">
+        <mc:Choice Requires="a14">
           <p:sp>
             <p:nvSpPr>
               <p:cNvPr id="125" name="Equation"/>
@@ -13563,7 +14320,7 @@
                       <m:sSup>
                         <m:sSupPr>
                           <m:ctrlPr>
-                            <a:rPr sz="2000">
+                            <a:rPr sz="2000" i="1">
                               <a:solidFill>
                                 <a:srgbClr val="000000"/>
                               </a:solidFill>
@@ -13764,16 +14521,7 @@
                               </a:solidFill>
                               <a:latin typeface="Cambria Math" panose="02040503050406030204" pitchFamily="18" charset="0"/>
                             </a:rPr>
-                            <m:t>+</m:t>
-                          </m:r>
-                          <m:r>
-                            <a:rPr sz="2000" i="1">
-                              <a:solidFill>
-                                <a:srgbClr val="000000"/>
-                              </a:solidFill>
-                              <a:latin typeface="Cambria Math" panose="02040503050406030204" pitchFamily="18" charset="0"/>
-                            </a:rPr>
-                            <m:t>1</m:t>
+                            <m:t>+1</m:t>
                           </m:r>
                         </m:sup>
                       </m:sSup>
@@ -13836,16 +14584,7 @@
                               </a:solidFill>
                               <a:latin typeface="Cambria Math" panose="02040503050406030204" pitchFamily="18" charset="0"/>
                             </a:rPr>
-                            <m:t>+</m:t>
-                          </m:r>
-                          <m:r>
-                            <a:rPr sz="2000" i="1">
-                              <a:solidFill>
-                                <a:srgbClr val="000000"/>
-                              </a:solidFill>
-                              <a:latin typeface="Cambria Math" panose="02040503050406030204" pitchFamily="18" charset="0"/>
-                            </a:rPr>
-                            <m:t>1</m:t>
+                            <m:t>+1</m:t>
                           </m:r>
                         </m:sup>
                       </m:sSubSup>
@@ -14195,16 +14934,7 @@
                                       </a:solidFill>
                                       <a:latin typeface="Cambria Math" panose="02040503050406030204" pitchFamily="18" charset="0"/>
                                     </a:rPr>
-                                    <m:t>+</m:t>
-                                  </m:r>
-                                  <m:r>
-                                    <a:rPr sz="2000" i="1">
-                                      <a:solidFill>
-                                        <a:srgbClr val="000000"/>
-                                      </a:solidFill>
-                                      <a:latin typeface="Cambria Math" panose="02040503050406030204" pitchFamily="18" charset="0"/>
-                                    </a:rPr>
-                                    <m:t>1</m:t>
+                                    <m:t>+1</m:t>
                                   </m:r>
                                 </m:sub>
                                 <m:sup>
@@ -14224,16 +14954,7 @@
                                       </a:solidFill>
                                       <a:latin typeface="Cambria Math" panose="02040503050406030204" pitchFamily="18" charset="0"/>
                                     </a:rPr>
-                                    <m:t>+</m:t>
-                                  </m:r>
-                                  <m:r>
-                                    <a:rPr sz="2000" i="1">
-                                      <a:solidFill>
-                                        <a:srgbClr val="000000"/>
-                                      </a:solidFill>
-                                      <a:latin typeface="Cambria Math" panose="02040503050406030204" pitchFamily="18" charset="0"/>
-                                    </a:rPr>
-                                    <m:t>1</m:t>
+                                    <m:t>+1</m:t>
                                   </m:r>
                                 </m:sup>
                               </m:sSubSup>
@@ -14276,16 +14997,7 @@
                                       </a:solidFill>
                                       <a:latin typeface="Cambria Math" panose="02040503050406030204" pitchFamily="18" charset="0"/>
                                     </a:rPr>
-                                    <m:t>+</m:t>
-                                  </m:r>
-                                  <m:r>
-                                    <a:rPr sz="2000" i="1">
-                                      <a:solidFill>
-                                        <a:srgbClr val="000000"/>
-                                      </a:solidFill>
-                                      <a:latin typeface="Cambria Math" panose="02040503050406030204" pitchFamily="18" charset="0"/>
-                                    </a:rPr>
-                                    <m:t>1</m:t>
+                                    <m:t>+1</m:t>
                                   </m:r>
                                 </m:sub>
                                 <m:sup>
@@ -14305,16 +15017,7 @@
                                       </a:solidFill>
                                       <a:latin typeface="Cambria Math" panose="02040503050406030204" pitchFamily="18" charset="0"/>
                                     </a:rPr>
-                                    <m:t>+</m:t>
-                                  </m:r>
-                                  <m:r>
-                                    <a:rPr sz="2000" i="1">
-                                      <a:solidFill>
-                                        <a:srgbClr val="000000"/>
-                                      </a:solidFill>
-                                      <a:latin typeface="Cambria Math" panose="02040503050406030204" pitchFamily="18" charset="0"/>
-                                    </a:rPr>
-                                    <m:t>1</m:t>
+                                    <m:t>+1</m:t>
                                   </m:r>
                                 </m:sup>
                               </m:sSubSup>
@@ -14371,16 +15074,7 @@
                                       </a:solidFill>
                                       <a:latin typeface="Cambria Math" panose="02040503050406030204" pitchFamily="18" charset="0"/>
                                     </a:rPr>
-                                    <m:t>+</m:t>
-                                  </m:r>
-                                  <m:r>
-                                    <a:rPr sz="2000" i="1">
-                                      <a:solidFill>
-                                        <a:srgbClr val="000000"/>
-                                      </a:solidFill>
-                                      <a:latin typeface="Cambria Math" panose="02040503050406030204" pitchFamily="18" charset="0"/>
-                                    </a:rPr>
-                                    <m:t>1</m:t>
+                                    <m:t>+1</m:t>
                                   </m:r>
                                 </m:sub>
                                 <m:sup>
@@ -14400,16 +15094,7 @@
                                       </a:solidFill>
                                       <a:latin typeface="Cambria Math" panose="02040503050406030204" pitchFamily="18" charset="0"/>
                                     </a:rPr>
-                                    <m:t>+</m:t>
-                                  </m:r>
-                                  <m:r>
-                                    <a:rPr sz="2000" i="1">
-                                      <a:solidFill>
-                                        <a:srgbClr val="000000"/>
-                                      </a:solidFill>
-                                      <a:latin typeface="Cambria Math" panose="02040503050406030204" pitchFamily="18" charset="0"/>
-                                    </a:rPr>
-                                    <m:t>1</m:t>
+                                    <m:t>+1</m:t>
                                   </m:r>
                                 </m:sup>
                               </m:sSubSup>
@@ -14454,16 +15139,7 @@
                                   </a:solidFill>
                                   <a:latin typeface="Cambria Math" panose="02040503050406030204" pitchFamily="18" charset="0"/>
                                 </a:rPr>
-                                <m:t>+</m:t>
-                              </m:r>
-                              <m:r>
-                                <a:rPr sz="2000" i="1">
-                                  <a:solidFill>
-                                    <a:srgbClr val="000000"/>
-                                  </a:solidFill>
-                                  <a:latin typeface="Cambria Math" panose="02040503050406030204" pitchFamily="18" charset="0"/>
-                                </a:rPr>
-                                <m:t>1</m:t>
+                                <m:t>+1</m:t>
                               </m:r>
                             </m:sub>
                             <m:sup>
@@ -14483,16 +15159,7 @@
                                   </a:solidFill>
                                   <a:latin typeface="Cambria Math" panose="02040503050406030204" pitchFamily="18" charset="0"/>
                                 </a:rPr>
-                                <m:t>+</m:t>
-                              </m:r>
-                              <m:r>
-                                <a:rPr sz="2000" i="1">
-                                  <a:solidFill>
-                                    <a:srgbClr val="000000"/>
-                                  </a:solidFill>
-                                  <a:latin typeface="Cambria Math" panose="02040503050406030204" pitchFamily="18" charset="0"/>
-                                </a:rPr>
-                                <m:t>1</m:t>
+                                <m:t>+1</m:t>
                               </m:r>
                             </m:sup>
                           </m:sSubSup>
@@ -14582,16 +15249,7 @@
                                       </a:solidFill>
                                       <a:latin typeface="Cambria Math" panose="02040503050406030204" pitchFamily="18" charset="0"/>
                                     </a:rPr>
-                                    <m:t>−</m:t>
-                                  </m:r>
-                                  <m:r>
-                                    <a:rPr sz="2000" i="1">
-                                      <a:solidFill>
-                                        <a:srgbClr val="000000"/>
-                                      </a:solidFill>
-                                      <a:latin typeface="Cambria Math" panose="02040503050406030204" pitchFamily="18" charset="0"/>
-                                    </a:rPr>
-                                    <m:t>1</m:t>
+                                    <m:t>−1</m:t>
                                   </m:r>
                                 </m:sub>
                                 <m:sup>
@@ -14611,16 +15269,7 @@
                                       </a:solidFill>
                                       <a:latin typeface="Cambria Math" panose="02040503050406030204" pitchFamily="18" charset="0"/>
                                     </a:rPr>
-                                    <m:t>+</m:t>
-                                  </m:r>
-                                  <m:r>
-                                    <a:rPr sz="2000" i="1">
-                                      <a:solidFill>
-                                        <a:srgbClr val="000000"/>
-                                      </a:solidFill>
-                                      <a:latin typeface="Cambria Math" panose="02040503050406030204" pitchFamily="18" charset="0"/>
-                                    </a:rPr>
-                                    <m:t>1</m:t>
+                                    <m:t>+1</m:t>
                                   </m:r>
                                 </m:sup>
                               </m:sSubSup>
@@ -14663,16 +15312,7 @@
                                       </a:solidFill>
                                       <a:latin typeface="Cambria Math" panose="02040503050406030204" pitchFamily="18" charset="0"/>
                                     </a:rPr>
-                                    <m:t>−</m:t>
-                                  </m:r>
-                                  <m:r>
-                                    <a:rPr sz="2000" i="1">
-                                      <a:solidFill>
-                                        <a:srgbClr val="000000"/>
-                                      </a:solidFill>
-                                      <a:latin typeface="Cambria Math" panose="02040503050406030204" pitchFamily="18" charset="0"/>
-                                    </a:rPr>
-                                    <m:t>1</m:t>
+                                    <m:t>−1</m:t>
                                   </m:r>
                                 </m:sub>
                                 <m:sup>
@@ -14692,16 +15332,7 @@
                                       </a:solidFill>
                                       <a:latin typeface="Cambria Math" panose="02040503050406030204" pitchFamily="18" charset="0"/>
                                     </a:rPr>
-                                    <m:t>+</m:t>
-                                  </m:r>
-                                  <m:r>
-                                    <a:rPr sz="2000" i="1">
-                                      <a:solidFill>
-                                        <a:srgbClr val="000000"/>
-                                      </a:solidFill>
-                                      <a:latin typeface="Cambria Math" panose="02040503050406030204" pitchFamily="18" charset="0"/>
-                                    </a:rPr>
-                                    <m:t>1</m:t>
+                                    <m:t>+1</m:t>
                                   </m:r>
                                 </m:sup>
                               </m:sSubSup>
@@ -14758,16 +15389,7 @@
                                       </a:solidFill>
                                       <a:latin typeface="Cambria Math" panose="02040503050406030204" pitchFamily="18" charset="0"/>
                                     </a:rPr>
-                                    <m:t>−</m:t>
-                                  </m:r>
-                                  <m:r>
-                                    <a:rPr sz="2000" i="1">
-                                      <a:solidFill>
-                                        <a:srgbClr val="000000"/>
-                                      </a:solidFill>
-                                      <a:latin typeface="Cambria Math" panose="02040503050406030204" pitchFamily="18" charset="0"/>
-                                    </a:rPr>
-                                    <m:t>1</m:t>
+                                    <m:t>−1</m:t>
                                   </m:r>
                                 </m:sub>
                                 <m:sup>
@@ -14787,16 +15409,7 @@
                                       </a:solidFill>
                                       <a:latin typeface="Cambria Math" panose="02040503050406030204" pitchFamily="18" charset="0"/>
                                     </a:rPr>
-                                    <m:t>+</m:t>
-                                  </m:r>
-                                  <m:r>
-                                    <a:rPr sz="2000" i="1">
-                                      <a:solidFill>
-                                        <a:srgbClr val="000000"/>
-                                      </a:solidFill>
-                                      <a:latin typeface="Cambria Math" panose="02040503050406030204" pitchFamily="18" charset="0"/>
-                                    </a:rPr>
-                                    <m:t>1</m:t>
+                                    <m:t>+1</m:t>
                                   </m:r>
                                 </m:sup>
                               </m:sSubSup>
@@ -14841,16 +15454,7 @@
                                   </a:solidFill>
                                   <a:latin typeface="Cambria Math" panose="02040503050406030204" pitchFamily="18" charset="0"/>
                                 </a:rPr>
-                                <m:t>−</m:t>
-                              </m:r>
-                              <m:r>
-                                <a:rPr sz="2000" i="1">
-                                  <a:solidFill>
-                                    <a:srgbClr val="000000"/>
-                                  </a:solidFill>
-                                  <a:latin typeface="Cambria Math" panose="02040503050406030204" pitchFamily="18" charset="0"/>
-                                </a:rPr>
-                                <m:t>1</m:t>
+                                <m:t>−1</m:t>
                               </m:r>
                             </m:sub>
                             <m:sup>
@@ -14870,16 +15474,7 @@
                                   </a:solidFill>
                                   <a:latin typeface="Cambria Math" panose="02040503050406030204" pitchFamily="18" charset="0"/>
                                 </a:rPr>
-                                <m:t>+</m:t>
-                              </m:r>
-                              <m:r>
-                                <a:rPr sz="2000" i="1">
-                                  <a:solidFill>
-                                    <a:srgbClr val="000000"/>
-                                  </a:solidFill>
-                                  <a:latin typeface="Cambria Math" panose="02040503050406030204" pitchFamily="18" charset="0"/>
-                                </a:rPr>
-                                <m:t>1</m:t>
+                                <m:t>+1</m:t>
                               </m:r>
                             </m:sup>
                           </m:sSubSup>
@@ -14981,16 +15576,7 @@
                                           </a:solidFill>
                                           <a:latin typeface="Cambria Math" panose="02040503050406030204" pitchFamily="18" charset="0"/>
                                         </a:rPr>
-                                        <m:t>+</m:t>
-                                      </m:r>
-                                      <m:r>
-                                        <a:rPr sz="2000" i="1">
-                                          <a:solidFill>
-                                            <a:srgbClr val="000000"/>
-                                          </a:solidFill>
-                                          <a:latin typeface="Cambria Math" panose="02040503050406030204" pitchFamily="18" charset="0"/>
-                                        </a:rPr>
-                                        <m:t>1</m:t>
+                                        <m:t>+1</m:t>
                                       </m:r>
                                     </m:sub>
                                     <m:sup>
@@ -15010,16 +15596,7 @@
                                           </a:solidFill>
                                           <a:latin typeface="Cambria Math" panose="02040503050406030204" pitchFamily="18" charset="0"/>
                                         </a:rPr>
-                                        <m:t>+</m:t>
-                                      </m:r>
-                                      <m:r>
-                                        <a:rPr sz="2000" i="1">
-                                          <a:solidFill>
-                                            <a:srgbClr val="000000"/>
-                                          </a:solidFill>
-                                          <a:latin typeface="Cambria Math" panose="02040503050406030204" pitchFamily="18" charset="0"/>
-                                        </a:rPr>
-                                        <m:t>1</m:t>
+                                        <m:t>+1</m:t>
                                       </m:r>
                                     </m:sup>
                                   </m:sSubSup>
@@ -15062,16 +15639,7 @@
                                           </a:solidFill>
                                           <a:latin typeface="Cambria Math" panose="02040503050406030204" pitchFamily="18" charset="0"/>
                                         </a:rPr>
-                                        <m:t>+</m:t>
-                                      </m:r>
-                                      <m:r>
-                                        <a:rPr sz="2000" i="1">
-                                          <a:solidFill>
-                                            <a:srgbClr val="000000"/>
-                                          </a:solidFill>
-                                          <a:latin typeface="Cambria Math" panose="02040503050406030204" pitchFamily="18" charset="0"/>
-                                        </a:rPr>
-                                        <m:t>1</m:t>
+                                        <m:t>+1</m:t>
                                       </m:r>
                                     </m:sub>
                                     <m:sup>
@@ -15091,16 +15659,7 @@
                                           </a:solidFill>
                                           <a:latin typeface="Cambria Math" panose="02040503050406030204" pitchFamily="18" charset="0"/>
                                         </a:rPr>
-                                        <m:t>+</m:t>
-                                      </m:r>
-                                      <m:r>
-                                        <a:rPr sz="2000" i="1">
-                                          <a:solidFill>
-                                            <a:srgbClr val="000000"/>
-                                          </a:solidFill>
-                                          <a:latin typeface="Cambria Math" panose="02040503050406030204" pitchFamily="18" charset="0"/>
-                                        </a:rPr>
-                                        <m:t>1</m:t>
+                                        <m:t>+1</m:t>
                                       </m:r>
                                     </m:sup>
                                   </m:sSubSup>
@@ -15157,16 +15716,7 @@
                                           </a:solidFill>
                                           <a:latin typeface="Cambria Math" panose="02040503050406030204" pitchFamily="18" charset="0"/>
                                         </a:rPr>
-                                        <m:t>+</m:t>
-                                      </m:r>
-                                      <m:r>
-                                        <a:rPr sz="2000" i="1">
-                                          <a:solidFill>
-                                            <a:srgbClr val="000000"/>
-                                          </a:solidFill>
-                                          <a:latin typeface="Cambria Math" panose="02040503050406030204" pitchFamily="18" charset="0"/>
-                                        </a:rPr>
-                                        <m:t>1</m:t>
+                                        <m:t>+1</m:t>
                                       </m:r>
                                     </m:sub>
                                     <m:sup>
@@ -15186,16 +15736,7 @@
                                           </a:solidFill>
                                           <a:latin typeface="Cambria Math" panose="02040503050406030204" pitchFamily="18" charset="0"/>
                                         </a:rPr>
-                                        <m:t>+</m:t>
-                                      </m:r>
-                                      <m:r>
-                                        <a:rPr sz="2000" i="1">
-                                          <a:solidFill>
-                                            <a:srgbClr val="000000"/>
-                                          </a:solidFill>
-                                          <a:latin typeface="Cambria Math" panose="02040503050406030204" pitchFamily="18" charset="0"/>
-                                        </a:rPr>
-                                        <m:t>1</m:t>
+                                        <m:t>+1</m:t>
                                       </m:r>
                                     </m:sup>
                                   </m:sSubSup>
@@ -15261,16 +15802,7 @@
                                           </a:solidFill>
                                           <a:latin typeface="Cambria Math" panose="02040503050406030204" pitchFamily="18" charset="0"/>
                                         </a:rPr>
-                                        <m:t>−</m:t>
-                                      </m:r>
-                                      <m:r>
-                                        <a:rPr sz="2000" i="1">
-                                          <a:solidFill>
-                                            <a:srgbClr val="000000"/>
-                                          </a:solidFill>
-                                          <a:latin typeface="Cambria Math" panose="02040503050406030204" pitchFamily="18" charset="0"/>
-                                        </a:rPr>
-                                        <m:t>1</m:t>
+                                        <m:t>−1</m:t>
                                       </m:r>
                                     </m:sub>
                                     <m:sup>
@@ -15290,16 +15822,7 @@
                                           </a:solidFill>
                                           <a:latin typeface="Cambria Math" panose="02040503050406030204" pitchFamily="18" charset="0"/>
                                         </a:rPr>
-                                        <m:t>+</m:t>
-                                      </m:r>
-                                      <m:r>
-                                        <a:rPr sz="2000" i="1">
-                                          <a:solidFill>
-                                            <a:srgbClr val="000000"/>
-                                          </a:solidFill>
-                                          <a:latin typeface="Cambria Math" panose="02040503050406030204" pitchFamily="18" charset="0"/>
-                                        </a:rPr>
-                                        <m:t>1</m:t>
+                                        <m:t>+1</m:t>
                                       </m:r>
                                     </m:sup>
                                   </m:sSubSup>
@@ -15342,16 +15865,7 @@
                                           </a:solidFill>
                                           <a:latin typeface="Cambria Math" panose="02040503050406030204" pitchFamily="18" charset="0"/>
                                         </a:rPr>
-                                        <m:t>−</m:t>
-                                      </m:r>
-                                      <m:r>
-                                        <a:rPr sz="2000" i="1">
-                                          <a:solidFill>
-                                            <a:srgbClr val="000000"/>
-                                          </a:solidFill>
-                                          <a:latin typeface="Cambria Math" panose="02040503050406030204" pitchFamily="18" charset="0"/>
-                                        </a:rPr>
-                                        <m:t>1</m:t>
+                                        <m:t>−1</m:t>
                                       </m:r>
                                     </m:sub>
                                     <m:sup>
@@ -15371,16 +15885,7 @@
                                           </a:solidFill>
                                           <a:latin typeface="Cambria Math" panose="02040503050406030204" pitchFamily="18" charset="0"/>
                                         </a:rPr>
-                                        <m:t>+</m:t>
-                                      </m:r>
-                                      <m:r>
-                                        <a:rPr sz="2000" i="1">
-                                          <a:solidFill>
-                                            <a:srgbClr val="000000"/>
-                                          </a:solidFill>
-                                          <a:latin typeface="Cambria Math" panose="02040503050406030204" pitchFamily="18" charset="0"/>
-                                        </a:rPr>
-                                        <m:t>1</m:t>
+                                        <m:t>+1</m:t>
                                       </m:r>
                                     </m:sup>
                                   </m:sSubSup>
@@ -15437,16 +15942,7 @@
                                           </a:solidFill>
                                           <a:latin typeface="Cambria Math" panose="02040503050406030204" pitchFamily="18" charset="0"/>
                                         </a:rPr>
-                                        <m:t>−</m:t>
-                                      </m:r>
-                                      <m:r>
-                                        <a:rPr sz="2000" i="1">
-                                          <a:solidFill>
-                                            <a:srgbClr val="000000"/>
-                                          </a:solidFill>
-                                          <a:latin typeface="Cambria Math" panose="02040503050406030204" pitchFamily="18" charset="0"/>
-                                        </a:rPr>
-                                        <m:t>1</m:t>
+                                        <m:t>−1</m:t>
                                       </m:r>
                                     </m:sub>
                                     <m:sup>
@@ -15466,16 +15962,7 @@
                                           </a:solidFill>
                                           <a:latin typeface="Cambria Math" panose="02040503050406030204" pitchFamily="18" charset="0"/>
                                         </a:rPr>
-                                        <m:t>+</m:t>
-                                      </m:r>
-                                      <m:r>
-                                        <a:rPr sz="2000" i="1">
-                                          <a:solidFill>
-                                            <a:srgbClr val="000000"/>
-                                          </a:solidFill>
-                                          <a:latin typeface="Cambria Math" panose="02040503050406030204" pitchFamily="18" charset="0"/>
-                                        </a:rPr>
-                                        <m:t>1</m:t>
+                                        <m:t>+1</m:t>
                                       </m:r>
                                     </m:sup>
                                   </m:sSubSup>
@@ -15533,16 +16020,7 @@
                                   </a:solidFill>
                                   <a:latin typeface="Cambria Math" panose="02040503050406030204" pitchFamily="18" charset="0"/>
                                 </a:rPr>
-                                <m:t>+</m:t>
-                              </m:r>
-                              <m:r>
-                                <a:rPr sz="2000" i="1">
-                                  <a:solidFill>
-                                    <a:srgbClr val="000000"/>
-                                  </a:solidFill>
-                                  <a:latin typeface="Cambria Math" panose="02040503050406030204" pitchFamily="18" charset="0"/>
-                                </a:rPr>
-                                <m:t>1</m:t>
+                                <m:t>+1</m:t>
                               </m:r>
                             </m:sup>
                           </m:sSubSup>
@@ -15659,16 +16137,7 @@
                               </a:solidFill>
                               <a:latin typeface="Cambria Math" panose="02040503050406030204" pitchFamily="18" charset="0"/>
                             </a:rPr>
-                            <m:t>+</m:t>
-                          </m:r>
-                          <m:r>
-                            <a:rPr sz="2000" i="1">
-                              <a:solidFill>
-                                <a:srgbClr val="000000"/>
-                              </a:solidFill>
-                              <a:latin typeface="Cambria Math" panose="02040503050406030204" pitchFamily="18" charset="0"/>
-                            </a:rPr>
-                            <m:t>1</m:t>
+                            <m:t>+1</m:t>
                           </m:r>
                         </m:sup>
                       </m:sSup>
@@ -15760,7 +16229,7 @@
             </p:txBody>
           </p:sp>
         </mc:Choice>
-        <mc:Fallback>
+        <mc:Fallback xmlns="">
           <p:sp>
             <p:nvSpPr>
               <p:cNvPr id="125" name="Equation"/>
@@ -15800,8 +16269,8 @@
           </p:sp>
         </mc:Fallback>
       </mc:AlternateContent>
-      <mc:AlternateContent xmlns:mc="http://schemas.openxmlformats.org/markup-compatibility/2006">
-        <mc:Choice xmlns:a14="http://schemas.microsoft.com/office/drawing/2010/main" Requires="a14">
+      <mc:AlternateContent xmlns:mc="http://schemas.openxmlformats.org/markup-compatibility/2006" xmlns:a14="http://schemas.microsoft.com/office/drawing/2010/main">
+        <mc:Choice Requires="a14">
           <p:sp>
             <p:nvSpPr>
               <p:cNvPr id="126" name="Equation"/>
@@ -15932,16 +16401,7 @@
                                           </a:solidFill>
                                           <a:latin typeface="Cambria Math" panose="02040503050406030204" pitchFamily="18" charset="0"/>
                                         </a:rPr>
-                                        <m:t>+</m:t>
-                                      </m:r>
-                                      <m:r>
-                                        <a:rPr sz="2000" i="1">
-                                          <a:solidFill>
-                                            <a:srgbClr val="000000"/>
-                                          </a:solidFill>
-                                          <a:latin typeface="Cambria Math" panose="02040503050406030204" pitchFamily="18" charset="0"/>
-                                        </a:rPr>
-                                        <m:t>1</m:t>
+                                        <m:t>+1</m:t>
                                       </m:r>
                                     </m:sub>
                                     <m:sup>
@@ -15961,16 +16421,7 @@
                                           </a:solidFill>
                                           <a:latin typeface="Cambria Math" panose="02040503050406030204" pitchFamily="18" charset="0"/>
                                         </a:rPr>
-                                        <m:t>+</m:t>
-                                      </m:r>
-                                      <m:r>
-                                        <a:rPr sz="2000" i="1">
-                                          <a:solidFill>
-                                            <a:srgbClr val="000000"/>
-                                          </a:solidFill>
-                                          <a:latin typeface="Cambria Math" panose="02040503050406030204" pitchFamily="18" charset="0"/>
-                                        </a:rPr>
-                                        <m:t>1</m:t>
+                                        <m:t>+1</m:t>
                                       </m:r>
                                     </m:sup>
                                   </m:sSubSup>
@@ -16013,16 +16464,7 @@
                                           </a:solidFill>
                                           <a:latin typeface="Cambria Math" panose="02040503050406030204" pitchFamily="18" charset="0"/>
                                         </a:rPr>
-                                        <m:t>+</m:t>
-                                      </m:r>
-                                      <m:r>
-                                        <a:rPr sz="2000" i="1">
-                                          <a:solidFill>
-                                            <a:srgbClr val="000000"/>
-                                          </a:solidFill>
-                                          <a:latin typeface="Cambria Math" panose="02040503050406030204" pitchFamily="18" charset="0"/>
-                                        </a:rPr>
-                                        <m:t>1</m:t>
+                                        <m:t>+1</m:t>
                                       </m:r>
                                     </m:sub>
                                     <m:sup>
@@ -16042,16 +16484,7 @@
                                           </a:solidFill>
                                           <a:latin typeface="Cambria Math" panose="02040503050406030204" pitchFamily="18" charset="0"/>
                                         </a:rPr>
-                                        <m:t>+</m:t>
-                                      </m:r>
-                                      <m:r>
-                                        <a:rPr sz="2000" i="1">
-                                          <a:solidFill>
-                                            <a:srgbClr val="000000"/>
-                                          </a:solidFill>
-                                          <a:latin typeface="Cambria Math" panose="02040503050406030204" pitchFamily="18" charset="0"/>
-                                        </a:rPr>
-                                        <m:t>1</m:t>
+                                        <m:t>+1</m:t>
                                       </m:r>
                                     </m:sup>
                                   </m:sSubSup>
@@ -16108,16 +16541,7 @@
                                           </a:solidFill>
                                           <a:latin typeface="Cambria Math" panose="02040503050406030204" pitchFamily="18" charset="0"/>
                                         </a:rPr>
-                                        <m:t>+</m:t>
-                                      </m:r>
-                                      <m:r>
-                                        <a:rPr sz="2000" i="1">
-                                          <a:solidFill>
-                                            <a:srgbClr val="000000"/>
-                                          </a:solidFill>
-                                          <a:latin typeface="Cambria Math" panose="02040503050406030204" pitchFamily="18" charset="0"/>
-                                        </a:rPr>
-                                        <m:t>1</m:t>
+                                        <m:t>+1</m:t>
                                       </m:r>
                                     </m:sub>
                                     <m:sup>
@@ -16137,16 +16561,7 @@
                                           </a:solidFill>
                                           <a:latin typeface="Cambria Math" panose="02040503050406030204" pitchFamily="18" charset="0"/>
                                         </a:rPr>
-                                        <m:t>+</m:t>
-                                      </m:r>
-                                      <m:r>
-                                        <a:rPr sz="2000" i="1">
-                                          <a:solidFill>
-                                            <a:srgbClr val="000000"/>
-                                          </a:solidFill>
-                                          <a:latin typeface="Cambria Math" panose="02040503050406030204" pitchFamily="18" charset="0"/>
-                                        </a:rPr>
-                                        <m:t>1</m:t>
+                                        <m:t>+1</m:t>
                                       </m:r>
                                     </m:sup>
                                   </m:sSubSup>
@@ -16224,16 +16639,7 @@
                                           </a:solidFill>
                                           <a:latin typeface="Cambria Math" panose="02040503050406030204" pitchFamily="18" charset="0"/>
                                         </a:rPr>
-                                        <m:t>−</m:t>
-                                      </m:r>
-                                      <m:r>
-                                        <a:rPr sz="2000" i="1">
-                                          <a:solidFill>
-                                            <a:srgbClr val="000000"/>
-                                          </a:solidFill>
-                                          <a:latin typeface="Cambria Math" panose="02040503050406030204" pitchFamily="18" charset="0"/>
-                                        </a:rPr>
-                                        <m:t>1</m:t>
+                                        <m:t>−1</m:t>
                                       </m:r>
                                     </m:sub>
                                     <m:sup>
@@ -16253,16 +16659,7 @@
                                           </a:solidFill>
                                           <a:latin typeface="Cambria Math" panose="02040503050406030204" pitchFamily="18" charset="0"/>
                                         </a:rPr>
-                                        <m:t>+</m:t>
-                                      </m:r>
-                                      <m:r>
-                                        <a:rPr sz="2000" i="1">
-                                          <a:solidFill>
-                                            <a:srgbClr val="000000"/>
-                                          </a:solidFill>
-                                          <a:latin typeface="Cambria Math" panose="02040503050406030204" pitchFamily="18" charset="0"/>
-                                        </a:rPr>
-                                        <m:t>1</m:t>
+                                        <m:t>+1</m:t>
                                       </m:r>
                                     </m:sup>
                                   </m:sSubSup>
@@ -16305,16 +16702,7 @@
                                           </a:solidFill>
                                           <a:latin typeface="Cambria Math" panose="02040503050406030204" pitchFamily="18" charset="0"/>
                                         </a:rPr>
-                                        <m:t>−</m:t>
-                                      </m:r>
-                                      <m:r>
-                                        <a:rPr sz="2000" i="1">
-                                          <a:solidFill>
-                                            <a:srgbClr val="000000"/>
-                                          </a:solidFill>
-                                          <a:latin typeface="Cambria Math" panose="02040503050406030204" pitchFamily="18" charset="0"/>
-                                        </a:rPr>
-                                        <m:t>1</m:t>
+                                        <m:t>−1</m:t>
                                       </m:r>
                                     </m:sub>
                                     <m:sup>
@@ -16334,16 +16722,7 @@
                                           </a:solidFill>
                                           <a:latin typeface="Cambria Math" panose="02040503050406030204" pitchFamily="18" charset="0"/>
                                         </a:rPr>
-                                        <m:t>+</m:t>
-                                      </m:r>
-                                      <m:r>
-                                        <a:rPr sz="2000" i="1">
-                                          <a:solidFill>
-                                            <a:srgbClr val="000000"/>
-                                          </a:solidFill>
-                                          <a:latin typeface="Cambria Math" panose="02040503050406030204" pitchFamily="18" charset="0"/>
-                                        </a:rPr>
-                                        <m:t>1</m:t>
+                                        <m:t>+1</m:t>
                                       </m:r>
                                     </m:sup>
                                   </m:sSubSup>
@@ -16400,16 +16779,7 @@
                                           </a:solidFill>
                                           <a:latin typeface="Cambria Math" panose="02040503050406030204" pitchFamily="18" charset="0"/>
                                         </a:rPr>
-                                        <m:t>−</m:t>
-                                      </m:r>
-                                      <m:r>
-                                        <a:rPr sz="2000" i="1">
-                                          <a:solidFill>
-                                            <a:srgbClr val="000000"/>
-                                          </a:solidFill>
-                                          <a:latin typeface="Cambria Math" panose="02040503050406030204" pitchFamily="18" charset="0"/>
-                                        </a:rPr>
-                                        <m:t>1</m:t>
+                                        <m:t>−1</m:t>
                                       </m:r>
                                     </m:sub>
                                     <m:sup>
@@ -16429,16 +16799,7 @@
                                           </a:solidFill>
                                           <a:latin typeface="Cambria Math" panose="02040503050406030204" pitchFamily="18" charset="0"/>
                                         </a:rPr>
-                                        <m:t>+</m:t>
-                                      </m:r>
-                                      <m:r>
-                                        <a:rPr sz="2000" i="1">
-                                          <a:solidFill>
-                                            <a:srgbClr val="000000"/>
-                                          </a:solidFill>
-                                          <a:latin typeface="Cambria Math" panose="02040503050406030204" pitchFamily="18" charset="0"/>
-                                        </a:rPr>
-                                        <m:t>1</m:t>
+                                        <m:t>+1</m:t>
                                       </m:r>
                                     </m:sup>
                                   </m:sSubSup>
@@ -16657,16 +17018,7 @@
                                       </a:solidFill>
                                       <a:latin typeface="Cambria Math" panose="02040503050406030204" pitchFamily="18" charset="0"/>
                                     </a:rPr>
-                                    <m:t>+</m:t>
-                                  </m:r>
-                                  <m:r>
-                                    <a:rPr sz="2000" i="1">
-                                      <a:solidFill>
-                                        <a:srgbClr val="000000"/>
-                                      </a:solidFill>
-                                      <a:latin typeface="Cambria Math" panose="02040503050406030204" pitchFamily="18" charset="0"/>
-                                    </a:rPr>
-                                    <m:t>1</m:t>
+                                    <m:t>+1</m:t>
                                   </m:r>
                                 </m:sup>
                               </m:sSup>
@@ -16722,16 +17074,7 @@
                                   </a:solidFill>
                                   <a:latin typeface="Cambria Math" panose="02040503050406030204" pitchFamily="18" charset="0"/>
                                 </a:rPr>
-                                <m:t>+</m:t>
-                              </m:r>
-                              <m:r>
-                                <a:rPr sz="2000" i="1">
-                                  <a:solidFill>
-                                    <a:srgbClr val="000000"/>
-                                  </a:solidFill>
-                                  <a:latin typeface="Cambria Math" panose="02040503050406030204" pitchFamily="18" charset="0"/>
-                                </a:rPr>
-                                <m:t>1</m:t>
+                                <m:t>+1</m:t>
                               </m:r>
                             </m:sup>
                           </m:sSubSup>
@@ -16821,16 +17164,7 @@
                                       </a:solidFill>
                                       <a:latin typeface="Cambria Math" panose="02040503050406030204" pitchFamily="18" charset="0"/>
                                     </a:rPr>
-                                    <m:t>+</m:t>
-                                  </m:r>
-                                  <m:r>
-                                    <a:rPr sz="2000" i="1">
-                                      <a:solidFill>
-                                        <a:srgbClr val="000000"/>
-                                      </a:solidFill>
-                                      <a:latin typeface="Cambria Math" panose="02040503050406030204" pitchFamily="18" charset="0"/>
-                                    </a:rPr>
-                                    <m:t>1</m:t>
+                                    <m:t>+1</m:t>
                                   </m:r>
                                 </m:sub>
                                 <m:sup>
@@ -16850,16 +17184,7 @@
                                       </a:solidFill>
                                       <a:latin typeface="Cambria Math" panose="02040503050406030204" pitchFamily="18" charset="0"/>
                                     </a:rPr>
-                                    <m:t>+</m:t>
-                                  </m:r>
-                                  <m:r>
-                                    <a:rPr sz="2000" i="1">
-                                      <a:solidFill>
-                                        <a:srgbClr val="000000"/>
-                                      </a:solidFill>
-                                      <a:latin typeface="Cambria Math" panose="02040503050406030204" pitchFamily="18" charset="0"/>
-                                    </a:rPr>
-                                    <m:t>1</m:t>
+                                    <m:t>+1</m:t>
                                   </m:r>
                                 </m:sup>
                               </m:sSubSup>
@@ -16902,16 +17227,7 @@
                                       </a:solidFill>
                                       <a:latin typeface="Cambria Math" panose="02040503050406030204" pitchFamily="18" charset="0"/>
                                     </a:rPr>
-                                    <m:t>+</m:t>
-                                  </m:r>
-                                  <m:r>
-                                    <a:rPr sz="2000" i="1">
-                                      <a:solidFill>
-                                        <a:srgbClr val="000000"/>
-                                      </a:solidFill>
-                                      <a:latin typeface="Cambria Math" panose="02040503050406030204" pitchFamily="18" charset="0"/>
-                                    </a:rPr>
-                                    <m:t>1</m:t>
+                                    <m:t>+1</m:t>
                                   </m:r>
                                 </m:sub>
                                 <m:sup>
@@ -16931,16 +17247,7 @@
                                       </a:solidFill>
                                       <a:latin typeface="Cambria Math" panose="02040503050406030204" pitchFamily="18" charset="0"/>
                                     </a:rPr>
-                                    <m:t>+</m:t>
-                                  </m:r>
-                                  <m:r>
-                                    <a:rPr sz="2000" i="1">
-                                      <a:solidFill>
-                                        <a:srgbClr val="000000"/>
-                                      </a:solidFill>
-                                      <a:latin typeface="Cambria Math" panose="02040503050406030204" pitchFamily="18" charset="0"/>
-                                    </a:rPr>
-                                    <m:t>1</m:t>
+                                    <m:t>+1</m:t>
                                   </m:r>
                                 </m:sup>
                               </m:sSubSup>
@@ -16997,16 +17304,7 @@
                                       </a:solidFill>
                                       <a:latin typeface="Cambria Math" panose="02040503050406030204" pitchFamily="18" charset="0"/>
                                     </a:rPr>
-                                    <m:t>+</m:t>
-                                  </m:r>
-                                  <m:r>
-                                    <a:rPr sz="2000" i="1">
-                                      <a:solidFill>
-                                        <a:srgbClr val="000000"/>
-                                      </a:solidFill>
-                                      <a:latin typeface="Cambria Math" panose="02040503050406030204" pitchFamily="18" charset="0"/>
-                                    </a:rPr>
-                                    <m:t>1</m:t>
+                                    <m:t>+1</m:t>
                                   </m:r>
                                 </m:sub>
                                 <m:sup>
@@ -17026,16 +17324,7 @@
                                       </a:solidFill>
                                       <a:latin typeface="Cambria Math" panose="02040503050406030204" pitchFamily="18" charset="0"/>
                                     </a:rPr>
-                                    <m:t>+</m:t>
-                                  </m:r>
-                                  <m:r>
-                                    <a:rPr sz="2000" i="1">
-                                      <a:solidFill>
-                                        <a:srgbClr val="000000"/>
-                                      </a:solidFill>
-                                      <a:latin typeface="Cambria Math" panose="02040503050406030204" pitchFamily="18" charset="0"/>
-                                    </a:rPr>
-                                    <m:t>1</m:t>
+                                    <m:t>+1</m:t>
                                   </m:r>
                                 </m:sup>
                               </m:sSubSup>
@@ -17080,16 +17369,7 @@
                                   </a:solidFill>
                                   <a:latin typeface="Cambria Math" panose="02040503050406030204" pitchFamily="18" charset="0"/>
                                 </a:rPr>
-                                <m:t>+</m:t>
-                              </m:r>
-                              <m:r>
-                                <a:rPr sz="2000" i="1">
-                                  <a:solidFill>
-                                    <a:srgbClr val="000000"/>
-                                  </a:solidFill>
-                                  <a:latin typeface="Cambria Math" panose="02040503050406030204" pitchFamily="18" charset="0"/>
-                                </a:rPr>
-                                <m:t>1</m:t>
+                                <m:t>+1</m:t>
                               </m:r>
                             </m:sub>
                             <m:sup>
@@ -17109,16 +17389,7 @@
                                   </a:solidFill>
                                   <a:latin typeface="Cambria Math" panose="02040503050406030204" pitchFamily="18" charset="0"/>
                                 </a:rPr>
-                                <m:t>+</m:t>
-                              </m:r>
-                              <m:r>
-                                <a:rPr sz="2000" i="1">
-                                  <a:solidFill>
-                                    <a:srgbClr val="000000"/>
-                                  </a:solidFill>
-                                  <a:latin typeface="Cambria Math" panose="02040503050406030204" pitchFamily="18" charset="0"/>
-                                </a:rPr>
-                                <m:t>1</m:t>
+                                <m:t>+1</m:t>
                               </m:r>
                             </m:sup>
                           </m:sSubSup>
@@ -17208,16 +17479,7 @@
                                       </a:solidFill>
                                       <a:latin typeface="Cambria Math" panose="02040503050406030204" pitchFamily="18" charset="0"/>
                                     </a:rPr>
-                                    <m:t>−</m:t>
-                                  </m:r>
-                                  <m:r>
-                                    <a:rPr sz="2000" i="1">
-                                      <a:solidFill>
-                                        <a:srgbClr val="000000"/>
-                                      </a:solidFill>
-                                      <a:latin typeface="Cambria Math" panose="02040503050406030204" pitchFamily="18" charset="0"/>
-                                    </a:rPr>
-                                    <m:t>1</m:t>
+                                    <m:t>−1</m:t>
                                   </m:r>
                                 </m:sub>
                                 <m:sup>
@@ -17237,16 +17499,7 @@
                                       </a:solidFill>
                                       <a:latin typeface="Cambria Math" panose="02040503050406030204" pitchFamily="18" charset="0"/>
                                     </a:rPr>
-                                    <m:t>+</m:t>
-                                  </m:r>
-                                  <m:r>
-                                    <a:rPr sz="2000" i="1">
-                                      <a:solidFill>
-                                        <a:srgbClr val="000000"/>
-                                      </a:solidFill>
-                                      <a:latin typeface="Cambria Math" panose="02040503050406030204" pitchFamily="18" charset="0"/>
-                                    </a:rPr>
-                                    <m:t>1</m:t>
+                                    <m:t>+1</m:t>
                                   </m:r>
                                 </m:sup>
                               </m:sSubSup>
@@ -17289,16 +17542,7 @@
                                       </a:solidFill>
                                       <a:latin typeface="Cambria Math" panose="02040503050406030204" pitchFamily="18" charset="0"/>
                                     </a:rPr>
-                                    <m:t>−</m:t>
-                                  </m:r>
-                                  <m:r>
-                                    <a:rPr sz="2000" i="1">
-                                      <a:solidFill>
-                                        <a:srgbClr val="000000"/>
-                                      </a:solidFill>
-                                      <a:latin typeface="Cambria Math" panose="02040503050406030204" pitchFamily="18" charset="0"/>
-                                    </a:rPr>
-                                    <m:t>1</m:t>
+                                    <m:t>−1</m:t>
                                   </m:r>
                                 </m:sub>
                                 <m:sup>
@@ -17318,16 +17562,7 @@
                                       </a:solidFill>
                                       <a:latin typeface="Cambria Math" panose="02040503050406030204" pitchFamily="18" charset="0"/>
                                     </a:rPr>
-                                    <m:t>+</m:t>
-                                  </m:r>
-                                  <m:r>
-                                    <a:rPr sz="2000" i="1">
-                                      <a:solidFill>
-                                        <a:srgbClr val="000000"/>
-                                      </a:solidFill>
-                                      <a:latin typeface="Cambria Math" panose="02040503050406030204" pitchFamily="18" charset="0"/>
-                                    </a:rPr>
-                                    <m:t>1</m:t>
+                                    <m:t>+1</m:t>
                                   </m:r>
                                 </m:sup>
                               </m:sSubSup>
@@ -17384,16 +17619,7 @@
                                       </a:solidFill>
                                       <a:latin typeface="Cambria Math" panose="02040503050406030204" pitchFamily="18" charset="0"/>
                                     </a:rPr>
-                                    <m:t>−</m:t>
-                                  </m:r>
-                                  <m:r>
-                                    <a:rPr sz="2000" i="1">
-                                      <a:solidFill>
-                                        <a:srgbClr val="000000"/>
-                                      </a:solidFill>
-                                      <a:latin typeface="Cambria Math" panose="02040503050406030204" pitchFamily="18" charset="0"/>
-                                    </a:rPr>
-                                    <m:t>1</m:t>
+                                    <m:t>−1</m:t>
                                   </m:r>
                                 </m:sub>
                                 <m:sup>
@@ -17413,16 +17639,7 @@
                                       </a:solidFill>
                                       <a:latin typeface="Cambria Math" panose="02040503050406030204" pitchFamily="18" charset="0"/>
                                     </a:rPr>
-                                    <m:t>+</m:t>
-                                  </m:r>
-                                  <m:r>
-                                    <a:rPr sz="2000" i="1">
-                                      <a:solidFill>
-                                        <a:srgbClr val="000000"/>
-                                      </a:solidFill>
-                                      <a:latin typeface="Cambria Math" panose="02040503050406030204" pitchFamily="18" charset="0"/>
-                                    </a:rPr>
-                                    <m:t>1</m:t>
+                                    <m:t>+1</m:t>
                                   </m:r>
                                 </m:sup>
                               </m:sSubSup>
@@ -17467,16 +17684,7 @@
                                   </a:solidFill>
                                   <a:latin typeface="Cambria Math" panose="02040503050406030204" pitchFamily="18" charset="0"/>
                                 </a:rPr>
-                                <m:t>−</m:t>
-                              </m:r>
-                              <m:r>
-                                <a:rPr sz="2000" i="1">
-                                  <a:solidFill>
-                                    <a:srgbClr val="000000"/>
-                                  </a:solidFill>
-                                  <a:latin typeface="Cambria Math" panose="02040503050406030204" pitchFamily="18" charset="0"/>
-                                </a:rPr>
-                                <m:t>1</m:t>
+                                <m:t>−1</m:t>
                               </m:r>
                             </m:sub>
                             <m:sup>
@@ -17496,16 +17704,7 @@
                                   </a:solidFill>
                                   <a:latin typeface="Cambria Math" panose="02040503050406030204" pitchFamily="18" charset="0"/>
                                 </a:rPr>
-                                <m:t>+</m:t>
-                              </m:r>
-                              <m:r>
-                                <a:rPr sz="2000" i="1">
-                                  <a:solidFill>
-                                    <a:srgbClr val="000000"/>
-                                  </a:solidFill>
-                                  <a:latin typeface="Cambria Math" panose="02040503050406030204" pitchFamily="18" charset="0"/>
-                                </a:rPr>
-                                <m:t>1</m:t>
+                                <m:t>+1</m:t>
                               </m:r>
                             </m:sup>
                           </m:sSubSup>
@@ -17622,16 +17821,7 @@
                               </a:solidFill>
                               <a:latin typeface="Cambria Math" panose="02040503050406030204" pitchFamily="18" charset="0"/>
                             </a:rPr>
-                            <m:t>+</m:t>
-                          </m:r>
-                          <m:r>
-                            <a:rPr sz="2000" i="1">
-                              <a:solidFill>
-                                <a:srgbClr val="000000"/>
-                              </a:solidFill>
-                              <a:latin typeface="Cambria Math" panose="02040503050406030204" pitchFamily="18" charset="0"/>
-                            </a:rPr>
-                            <m:t>1</m:t>
+                            <m:t>+1</m:t>
                           </m:r>
                         </m:sup>
                       </m:sSup>
@@ -17994,7 +18184,7 @@
             </p:txBody>
           </p:sp>
         </mc:Choice>
-        <mc:Fallback>
+        <mc:Fallback xmlns="">
           <p:sp>
             <p:nvSpPr>
               <p:cNvPr id="126" name="Equation"/>
@@ -18053,7 +18243,7 @@
           </a:ln>
           <a:extLst>
             <a:ext uri="{C572A759-6A51-4108-AA02-DFA0A04FC94B}">
-              <ma14:wrappingTextBoxFlag xmlns:ma14="http://schemas.microsoft.com/office/mac/drawingml/2011/main" xmlns:a14="http://schemas.microsoft.com/office/drawing/2010/main" xmlns:m="http://schemas.openxmlformats.org/officeDocument/2006/math" xmlns="" val="1"/>
+              <ma14:wrappingTextBoxFlag xmlns="" xmlns:m="http://schemas.openxmlformats.org/officeDocument/2006/math" xmlns:a14="http://schemas.microsoft.com/office/drawing/2010/main" xmlns:ma14="http://schemas.microsoft.com/office/mac/drawingml/2011/main" val="1"/>
             </a:ext>
           </a:extLst>
         </p:spPr>
@@ -18088,8 +18278,8 @@
           </a:p>
         </p:txBody>
       </p:sp>
-      <mc:AlternateContent xmlns:mc="http://schemas.openxmlformats.org/markup-compatibility/2006">
-        <mc:Choice xmlns:a14="http://schemas.microsoft.com/office/drawing/2010/main" Requires="a14">
+      <mc:AlternateContent xmlns:mc="http://schemas.openxmlformats.org/markup-compatibility/2006" xmlns:a14="http://schemas.microsoft.com/office/drawing/2010/main">
+        <mc:Choice Requires="a14">
           <p:sp>
             <p:nvSpPr>
               <p:cNvPr id="128" name="Equation"/>
@@ -18190,16 +18380,7 @@
                               </a:solidFill>
                               <a:latin typeface="Cambria Math" panose="02040503050406030204" pitchFamily="18" charset="0"/>
                             </a:rPr>
-                            <m:t>+</m:t>
-                          </m:r>
-                          <m:r>
-                            <a:rPr sz="3600" i="1">
-                              <a:solidFill>
-                                <a:srgbClr val="000000"/>
-                              </a:solidFill>
-                              <a:latin typeface="Cambria Math" panose="02040503050406030204" pitchFamily="18" charset="0"/>
-                            </a:rPr>
-                            <m:t>1</m:t>
+                            <m:t>+1</m:t>
                           </m:r>
                         </m:sup>
                       </m:sSup>
@@ -18262,16 +18443,7 @@
                               </a:solidFill>
                               <a:latin typeface="Cambria Math" panose="02040503050406030204" pitchFamily="18" charset="0"/>
                             </a:rPr>
-                            <m:t>+</m:t>
-                          </m:r>
-                          <m:r>
-                            <a:rPr sz="3600" i="1">
-                              <a:solidFill>
-                                <a:srgbClr val="000000"/>
-                              </a:solidFill>
-                              <a:latin typeface="Cambria Math" panose="02040503050406030204" pitchFamily="18" charset="0"/>
-                            </a:rPr>
-                            <m:t>1</m:t>
+                            <m:t>+1</m:t>
                           </m:r>
                         </m:sup>
                       </m:sSubSup>
@@ -18332,16 +18504,7 @@
                               </a:solidFill>
                               <a:latin typeface="Cambria Math" panose="02040503050406030204" pitchFamily="18" charset="0"/>
                             </a:rPr>
-                            <m:t>+</m:t>
-                          </m:r>
-                          <m:r>
-                            <a:rPr sz="3600" i="1">
-                              <a:solidFill>
-                                <a:srgbClr val="000000"/>
-                              </a:solidFill>
-                              <a:latin typeface="Cambria Math" panose="02040503050406030204" pitchFamily="18" charset="0"/>
-                            </a:rPr>
-                            <m:t>1</m:t>
+                            <m:t>+1</m:t>
                           </m:r>
                         </m:sup>
                       </m:sSup>
@@ -18393,16 +18556,7 @@
                               </a:solidFill>
                               <a:latin typeface="Cambria Math" panose="02040503050406030204" pitchFamily="18" charset="0"/>
                             </a:rPr>
-                            <m:t>+</m:t>
-                          </m:r>
-                          <m:r>
-                            <a:rPr sz="3600" i="1">
-                              <a:solidFill>
-                                <a:srgbClr val="000000"/>
-                              </a:solidFill>
-                              <a:latin typeface="Cambria Math" panose="02040503050406030204" pitchFamily="18" charset="0"/>
-                            </a:rPr>
-                            <m:t>1</m:t>
+                            <m:t>+1</m:t>
                           </m:r>
                         </m:sub>
                         <m:sup>
@@ -18422,16 +18576,7 @@
                               </a:solidFill>
                               <a:latin typeface="Cambria Math" panose="02040503050406030204" pitchFamily="18" charset="0"/>
                             </a:rPr>
-                            <m:t>+</m:t>
-                          </m:r>
-                          <m:r>
-                            <a:rPr sz="3600" i="1">
-                              <a:solidFill>
-                                <a:srgbClr val="000000"/>
-                              </a:solidFill>
-                              <a:latin typeface="Cambria Math" panose="02040503050406030204" pitchFamily="18" charset="0"/>
-                            </a:rPr>
-                            <m:t>1</m:t>
+                            <m:t>+1</m:t>
                           </m:r>
                         </m:sup>
                       </m:sSubSup>
@@ -18492,16 +18637,7 @@
                               </a:solidFill>
                               <a:latin typeface="Cambria Math" panose="02040503050406030204" pitchFamily="18" charset="0"/>
                             </a:rPr>
-                            <m:t>+</m:t>
-                          </m:r>
-                          <m:r>
-                            <a:rPr sz="3600" i="1">
-                              <a:solidFill>
-                                <a:srgbClr val="000000"/>
-                              </a:solidFill>
-                              <a:latin typeface="Cambria Math" panose="02040503050406030204" pitchFamily="18" charset="0"/>
-                            </a:rPr>
-                            <m:t>1</m:t>
+                            <m:t>+1</m:t>
                           </m:r>
                         </m:sup>
                       </m:sSup>
@@ -18553,16 +18689,7 @@
                               </a:solidFill>
                               <a:latin typeface="Cambria Math" panose="02040503050406030204" pitchFamily="18" charset="0"/>
                             </a:rPr>
-                            <m:t>−</m:t>
-                          </m:r>
-                          <m:r>
-                            <a:rPr sz="3600" i="1">
-                              <a:solidFill>
-                                <a:srgbClr val="000000"/>
-                              </a:solidFill>
-                              <a:latin typeface="Cambria Math" panose="02040503050406030204" pitchFamily="18" charset="0"/>
-                            </a:rPr>
-                            <m:t>1</m:t>
+                            <m:t>−1</m:t>
                           </m:r>
                         </m:sub>
                         <m:sup>
@@ -18582,16 +18709,7 @@
                               </a:solidFill>
                               <a:latin typeface="Cambria Math" panose="02040503050406030204" pitchFamily="18" charset="0"/>
                             </a:rPr>
-                            <m:t>+</m:t>
-                          </m:r>
-                          <m:r>
-                            <a:rPr sz="3600" i="1">
-                              <a:solidFill>
-                                <a:srgbClr val="000000"/>
-                              </a:solidFill>
-                              <a:latin typeface="Cambria Math" panose="02040503050406030204" pitchFamily="18" charset="0"/>
-                            </a:rPr>
-                            <m:t>1</m:t>
+                            <m:t>+1</m:t>
                           </m:r>
                         </m:sup>
                       </m:sSubSup>
@@ -18643,16 +18761,7 @@
                               </a:solidFill>
                               <a:latin typeface="Cambria Math" panose="02040503050406030204" pitchFamily="18" charset="0"/>
                             </a:rPr>
-                            <m:t>+</m:t>
-                          </m:r>
-                          <m:r>
-                            <a:rPr sz="3600" i="1">
-                              <a:solidFill>
-                                <a:srgbClr val="000000"/>
-                              </a:solidFill>
-                              <a:latin typeface="Cambria Math" panose="02040503050406030204" pitchFamily="18" charset="0"/>
-                            </a:rPr>
-                            <m:t>1</m:t>
+                            <m:t>+1</m:t>
                           </m:r>
                         </m:sup>
                       </m:sSup>
@@ -18664,7 +18773,7 @@
             </p:txBody>
           </p:sp>
         </mc:Choice>
-        <mc:Fallback>
+        <mc:Fallback xmlns="">
           <p:sp>
             <p:nvSpPr>
               <p:cNvPr id="128" name="Equation"/>
@@ -18729,7 +18838,7 @@
           </a:ln>
           <a:extLst>
             <a:ext uri="{C572A759-6A51-4108-AA02-DFA0A04FC94B}">
-              <ma14:wrappingTextBoxFlag xmlns:ma14="http://schemas.microsoft.com/office/mac/drawingml/2011/main" xmlns:a14="http://schemas.microsoft.com/office/drawing/2010/main" xmlns:m="http://schemas.openxmlformats.org/officeDocument/2006/math" xmlns="" val="1"/>
+              <ma14:wrappingTextBoxFlag xmlns="" xmlns:m="http://schemas.openxmlformats.org/officeDocument/2006/math" xmlns:a14="http://schemas.microsoft.com/office/drawing/2010/main" xmlns:ma14="http://schemas.microsoft.com/office/mac/drawingml/2011/main" val="1"/>
             </a:ext>
           </a:extLst>
         </p:spPr>
@@ -18786,8 +18895,8 @@
           <a:chExt cx="0" cy="0"/>
         </a:xfrm>
       </p:grpSpPr>
-      <mc:AlternateContent xmlns:mc="http://schemas.openxmlformats.org/markup-compatibility/2006">
-        <mc:Choice xmlns:a14="http://schemas.microsoft.com/office/drawing/2010/main" Requires="a14">
+      <mc:AlternateContent xmlns:mc="http://schemas.openxmlformats.org/markup-compatibility/2006" xmlns:a14="http://schemas.microsoft.com/office/drawing/2010/main">
+        <mc:Choice Requires="a14">
           <p:sp>
             <p:nvSpPr>
               <p:cNvPr id="132" name="Equation"/>
@@ -19180,7 +19289,7 @@
             </p:txBody>
           </p:sp>
         </mc:Choice>
-        <mc:Fallback>
+        <mc:Fallback xmlns="">
           <p:sp>
             <p:nvSpPr>
               <p:cNvPr id="132" name="Equation"/>
@@ -19220,8 +19329,8 @@
           </p:sp>
         </mc:Fallback>
       </mc:AlternateContent>
-      <mc:AlternateContent xmlns:mc="http://schemas.openxmlformats.org/markup-compatibility/2006">
-        <mc:Choice xmlns:a14="http://schemas.microsoft.com/office/drawing/2010/main" Requires="a14">
+      <mc:AlternateContent xmlns:mc="http://schemas.openxmlformats.org/markup-compatibility/2006" xmlns:a14="http://schemas.microsoft.com/office/drawing/2010/main">
+        <mc:Choice Requires="a14">
           <p:sp>
             <p:nvSpPr>
               <p:cNvPr id="133" name="Equation"/>
@@ -19614,7 +19723,7 @@
             </p:txBody>
           </p:sp>
         </mc:Choice>
-        <mc:Fallback>
+        <mc:Fallback xmlns="">
           <p:sp>
             <p:nvSpPr>
               <p:cNvPr id="133" name="Equation"/>
@@ -19654,8 +19763,8 @@
           </p:sp>
         </mc:Fallback>
       </mc:AlternateContent>
-      <mc:AlternateContent xmlns:mc="http://schemas.openxmlformats.org/markup-compatibility/2006">
-        <mc:Choice xmlns:a14="http://schemas.microsoft.com/office/drawing/2010/main" Requires="a14">
+      <mc:AlternateContent xmlns:mc="http://schemas.openxmlformats.org/markup-compatibility/2006" xmlns:a14="http://schemas.microsoft.com/office/drawing/2010/main">
+        <mc:Choice Requires="a14">
           <p:sp>
             <p:nvSpPr>
               <p:cNvPr id="134" name="Equation"/>
@@ -19850,7 +19959,7 @@
             </p:txBody>
           </p:sp>
         </mc:Choice>
-        <mc:Fallback>
+        <mc:Fallback xmlns="">
           <p:sp>
             <p:nvSpPr>
               <p:cNvPr id="134" name="Equation"/>
@@ -19890,8 +19999,8 @@
           </p:sp>
         </mc:Fallback>
       </mc:AlternateContent>
-      <mc:AlternateContent xmlns:mc="http://schemas.openxmlformats.org/markup-compatibility/2006">
-        <mc:Choice xmlns:a14="http://schemas.microsoft.com/office/drawing/2010/main" Requires="a14">
+      <mc:AlternateContent xmlns:mc="http://schemas.openxmlformats.org/markup-compatibility/2006" xmlns:a14="http://schemas.microsoft.com/office/drawing/2010/main">
+        <mc:Choice Requires="a14">
           <p:sp>
             <p:nvSpPr>
               <p:cNvPr id="135" name="Equation"/>
@@ -20086,7 +20195,7 @@
             </p:txBody>
           </p:sp>
         </mc:Choice>
-        <mc:Fallback>
+        <mc:Fallback xmlns="">
           <p:sp>
             <p:nvSpPr>
               <p:cNvPr id="135" name="Equation"/>
@@ -20126,8 +20235,8 @@
           </p:sp>
         </mc:Fallback>
       </mc:AlternateContent>
-      <mc:AlternateContent xmlns:mc="http://schemas.openxmlformats.org/markup-compatibility/2006">
-        <mc:Choice xmlns:a14="http://schemas.microsoft.com/office/drawing/2010/main" Requires="a14">
+      <mc:AlternateContent xmlns:mc="http://schemas.openxmlformats.org/markup-compatibility/2006" xmlns:a14="http://schemas.microsoft.com/office/drawing/2010/main">
+        <mc:Choice Requires="a14">
           <p:sp>
             <p:nvSpPr>
               <p:cNvPr id="136" name="Equation"/>
@@ -20423,7 +20532,7 @@
             </p:txBody>
           </p:sp>
         </mc:Choice>
-        <mc:Fallback>
+        <mc:Fallback xmlns="">
           <p:sp>
             <p:nvSpPr>
               <p:cNvPr id="136" name="Equation"/>
@@ -20463,8 +20572,8 @@
           </p:sp>
         </mc:Fallback>
       </mc:AlternateContent>
-      <mc:AlternateContent xmlns:mc="http://schemas.openxmlformats.org/markup-compatibility/2006">
-        <mc:Choice xmlns:a14="http://schemas.microsoft.com/office/drawing/2010/main" Requires="a14">
+      <mc:AlternateContent xmlns:mc="http://schemas.openxmlformats.org/markup-compatibility/2006" xmlns:a14="http://schemas.microsoft.com/office/drawing/2010/main">
+        <mc:Choice Requires="a14">
           <p:sp>
             <p:nvSpPr>
               <p:cNvPr id="137" name="Equation"/>
@@ -20659,7 +20768,7 @@
             </p:txBody>
           </p:sp>
         </mc:Choice>
-        <mc:Fallback>
+        <mc:Fallback xmlns="">
           <p:sp>
             <p:nvSpPr>
               <p:cNvPr id="137" name="Equation"/>
@@ -20699,8 +20808,8 @@
           </p:sp>
         </mc:Fallback>
       </mc:AlternateContent>
-      <mc:AlternateContent xmlns:mc="http://schemas.openxmlformats.org/markup-compatibility/2006">
-        <mc:Choice xmlns:a14="http://schemas.microsoft.com/office/drawing/2010/main" Requires="a14">
+      <mc:AlternateContent xmlns:mc="http://schemas.openxmlformats.org/markup-compatibility/2006" xmlns:a14="http://schemas.microsoft.com/office/drawing/2010/main">
+        <mc:Choice Requires="a14">
           <p:sp>
             <p:nvSpPr>
               <p:cNvPr id="138" name="Equation"/>
@@ -20987,7 +21096,7 @@
             </p:txBody>
           </p:sp>
         </mc:Choice>
-        <mc:Fallback>
+        <mc:Fallback xmlns="">
           <p:sp>
             <p:nvSpPr>
               <p:cNvPr id="138" name="Equation"/>
@@ -21027,8 +21136,8 @@
           </p:sp>
         </mc:Fallback>
       </mc:AlternateContent>
-      <mc:AlternateContent xmlns:mc="http://schemas.openxmlformats.org/markup-compatibility/2006">
-        <mc:Choice xmlns:a14="http://schemas.microsoft.com/office/drawing/2010/main" Requires="a14">
+      <mc:AlternateContent xmlns:mc="http://schemas.openxmlformats.org/markup-compatibility/2006" xmlns:a14="http://schemas.microsoft.com/office/drawing/2010/main">
+        <mc:Choice Requires="a14">
           <p:sp>
             <p:nvSpPr>
               <p:cNvPr id="139" name="Equation"/>
@@ -21297,7 +21406,7 @@
             </p:txBody>
           </p:sp>
         </mc:Choice>
-        <mc:Fallback>
+        <mc:Fallback xmlns="">
           <p:sp>
             <p:nvSpPr>
               <p:cNvPr id="139" name="Equation"/>
@@ -21337,8 +21446,8 @@
           </p:sp>
         </mc:Fallback>
       </mc:AlternateContent>
-      <mc:AlternateContent xmlns:mc="http://schemas.openxmlformats.org/markup-compatibility/2006">
-        <mc:Choice xmlns:a14="http://schemas.microsoft.com/office/drawing/2010/main" Requires="a14">
+      <mc:AlternateContent xmlns:mc="http://schemas.openxmlformats.org/markup-compatibility/2006" xmlns:a14="http://schemas.microsoft.com/office/drawing/2010/main">
+        <mc:Choice Requires="a14">
           <p:sp>
             <p:nvSpPr>
               <p:cNvPr id="140" name="Equation"/>
@@ -21385,7 +21494,7 @@
                       <m:sSup>
                         <m:sSupPr>
                           <m:ctrlPr>
-                            <a:rPr sz="2400">
+                            <a:rPr sz="2400" i="1">
                               <a:solidFill>
                                 <a:srgbClr val="000000"/>
                               </a:solidFill>
@@ -21573,7 +21682,7 @@
             </p:txBody>
           </p:sp>
         </mc:Choice>
-        <mc:Fallback>
+        <mc:Fallback xmlns="">
           <p:sp>
             <p:nvSpPr>
               <p:cNvPr id="140" name="Equation"/>
@@ -21613,8 +21722,8 @@
           </p:sp>
         </mc:Fallback>
       </mc:AlternateContent>
-      <mc:AlternateContent xmlns:mc="http://schemas.openxmlformats.org/markup-compatibility/2006">
-        <mc:Choice xmlns:a14="http://schemas.microsoft.com/office/drawing/2010/main" Requires="a14">
+      <mc:AlternateContent xmlns:mc="http://schemas.openxmlformats.org/markup-compatibility/2006" xmlns:a14="http://schemas.microsoft.com/office/drawing/2010/main">
+        <mc:Choice Requires="a14">
           <p:sp>
             <p:nvSpPr>
               <p:cNvPr id="141" name="Equation"/>
@@ -21885,7 +21994,7 @@
             </p:txBody>
           </p:sp>
         </mc:Choice>
-        <mc:Fallback>
+        <mc:Fallback xmlns="">
           <p:sp>
             <p:nvSpPr>
               <p:cNvPr id="141" name="Equation"/>
@@ -21925,8 +22034,8 @@
           </p:sp>
         </mc:Fallback>
       </mc:AlternateContent>
-      <mc:AlternateContent xmlns:mc="http://schemas.openxmlformats.org/markup-compatibility/2006">
-        <mc:Choice xmlns:a14="http://schemas.microsoft.com/office/drawing/2010/main" Requires="a14">
+      <mc:AlternateContent xmlns:mc="http://schemas.openxmlformats.org/markup-compatibility/2006" xmlns:a14="http://schemas.microsoft.com/office/drawing/2010/main">
+        <mc:Choice Requires="a14">
           <p:sp>
             <p:nvSpPr>
               <p:cNvPr id="142" name="Equation"/>
@@ -22035,7 +22144,7 @@
             </p:txBody>
           </p:sp>
         </mc:Choice>
-        <mc:Fallback>
+        <mc:Fallback xmlns="">
           <p:sp>
             <p:nvSpPr>
               <p:cNvPr id="142" name="Equation"/>
@@ -22100,7 +22209,7 @@
           </a:ln>
           <a:extLst>
             <a:ext uri="{C572A759-6A51-4108-AA02-DFA0A04FC94B}">
-              <ma14:wrappingTextBoxFlag xmlns:ma14="http://schemas.microsoft.com/office/mac/drawingml/2011/main" xmlns:a14="http://schemas.microsoft.com/office/drawing/2010/main" xmlns:m="http://schemas.openxmlformats.org/officeDocument/2006/math" xmlns="" val="1"/>
+              <ma14:wrappingTextBoxFlag xmlns="" xmlns:m="http://schemas.openxmlformats.org/officeDocument/2006/math" xmlns:a14="http://schemas.microsoft.com/office/drawing/2010/main" xmlns:ma14="http://schemas.microsoft.com/office/mac/drawingml/2011/main" val="1"/>
             </a:ext>
           </a:extLst>
         </p:spPr>
@@ -22135,8 +22244,8 @@
           </a:p>
         </p:txBody>
       </p:sp>
-      <mc:AlternateContent xmlns:mc="http://schemas.openxmlformats.org/markup-compatibility/2006">
-        <mc:Choice xmlns:a14="http://schemas.microsoft.com/office/drawing/2010/main" Requires="a14">
+      <mc:AlternateContent xmlns:mc="http://schemas.openxmlformats.org/markup-compatibility/2006" xmlns:a14="http://schemas.microsoft.com/office/drawing/2010/main">
+        <mc:Choice Requires="a14">
           <p:sp>
             <p:nvSpPr>
               <p:cNvPr id="16" name="Equation">
@@ -22717,7 +22826,7 @@
             </p:txBody>
           </p:sp>
         </mc:Choice>
-        <mc:Fallback>
+        <mc:Fallback xmlns="">
           <p:sp>
             <p:nvSpPr>
               <p:cNvPr id="16" name="Equation">
